--- a/Desenvolvimento de Aplicação MVC com PHP5 e AJAX/Apresentação/apresentacao2.pptx
+++ b/Desenvolvimento de Aplicação MVC com PHP5 e AJAX/Apresentação/apresentacao2.pptx
@@ -34,17 +34,13 @@
     <p:sldId id="325" r:id="rId28"/>
     <p:sldId id="314" r:id="rId29"/>
     <p:sldId id="315" r:id="rId30"/>
-    <p:sldId id="327" r:id="rId31"/>
-    <p:sldId id="328" r:id="rId32"/>
-    <p:sldId id="326" r:id="rId33"/>
-    <p:sldId id="329" r:id="rId34"/>
-    <p:sldId id="331" r:id="rId35"/>
-    <p:sldId id="330" r:id="rId36"/>
-    <p:sldId id="332" r:id="rId37"/>
-    <p:sldId id="333" r:id="rId38"/>
-    <p:sldId id="334" r:id="rId39"/>
-    <p:sldId id="306" r:id="rId40"/>
-    <p:sldId id="302" r:id="rId41"/>
+    <p:sldId id="328" r:id="rId31"/>
+    <p:sldId id="326" r:id="rId32"/>
+    <p:sldId id="329" r:id="rId33"/>
+    <p:sldId id="330" r:id="rId34"/>
+    <p:sldId id="334" r:id="rId35"/>
+    <p:sldId id="306" r:id="rId36"/>
+    <p:sldId id="302" r:id="rId37"/>
   </p:sldIdLst>
   <p:sldSz cx="12192000" cy="6858000"/>
   <p:notesSz cx="6858000" cy="9144000"/>
@@ -3809,7 +3805,6 @@
               <a:rPr lang="pt-BR" dirty="0"/>
               <a:t>9</a:t>
             </a:r>
-            <a:endParaRPr lang="pt-BR" dirty="0"/>
           </a:p>
         </p:txBody>
       </p:sp>
@@ -4457,9 +4452,10 @@
           <a:p>
             <a:pPr algn="ctr"/>
             <a:r>
-              <a:rPr lang="pt-BR" dirty="0"/>
-              <a:t>8</a:t>
-            </a:r>
+              <a:rPr lang="pt-BR" dirty="0" smtClean="0"/>
+              <a:t>10</a:t>
+            </a:r>
+            <a:endParaRPr lang="pt-BR" dirty="0"/>
           </a:p>
         </p:txBody>
       </p:sp>
@@ -4790,7 +4786,7 @@
             <a:pPr algn="ctr"/>
             <a:r>
               <a:rPr lang="pt-BR" dirty="0" smtClean="0"/>
-              <a:t>10</a:t>
+              <a:t>11</a:t>
             </a:r>
             <a:endParaRPr lang="pt-BR" dirty="0"/>
           </a:p>
@@ -5137,7 +5133,7 @@
         <p:spPr>
           <a:xfrm>
             <a:off x="11331224" y="6429423"/>
-            <a:ext cx="838200" cy="369332"/>
+            <a:ext cx="838200" cy="646331"/>
           </a:xfrm>
           <a:prstGeom prst="rect">
             <a:avLst/>
@@ -5153,8 +5149,11 @@
             <a:pPr algn="ctr"/>
             <a:r>
               <a:rPr lang="pt-BR" dirty="0" smtClean="0"/>
-              <a:t>11</a:t>
-            </a:r>
+              <a:t>12</a:t>
+            </a:r>
+          </a:p>
+          <a:p>
+            <a:pPr algn="ctr"/>
             <a:endParaRPr lang="pt-BR" dirty="0"/>
           </a:p>
         </p:txBody>
@@ -5533,7 +5532,7 @@
             <a:pPr algn="ctr"/>
             <a:r>
               <a:rPr lang="pt-BR" dirty="0" smtClean="0"/>
-              <a:t>12</a:t>
+              <a:t>13</a:t>
             </a:r>
             <a:endParaRPr lang="pt-BR" dirty="0"/>
           </a:p>
@@ -5886,12 +5885,12 @@
           <a:p>
             <a:pPr algn="ctr"/>
             <a:r>
+              <a:rPr lang="pt-BR" dirty="0" smtClean="0"/>
+              <a:t>1</a:t>
+            </a:r>
+            <a:r>
               <a:rPr lang="pt-BR" dirty="0"/>
-              <a:t>1</a:t>
-            </a:r>
-            <a:r>
-              <a:rPr lang="pt-BR" dirty="0" smtClean="0"/>
-              <a:t>3</a:t>
+              <a:t>4</a:t>
             </a:r>
             <a:endParaRPr lang="pt-BR" dirty="0"/>
           </a:p>
@@ -6230,7 +6229,7 @@
             <a:pPr algn="ctr"/>
             <a:r>
               <a:rPr lang="pt-BR" dirty="0" smtClean="0"/>
-              <a:t>14</a:t>
+              <a:t>15</a:t>
             </a:r>
             <a:endParaRPr lang="pt-BR" dirty="0"/>
           </a:p>
@@ -6552,7 +6551,7 @@
             <a:pPr algn="ctr"/>
             <a:r>
               <a:rPr lang="pt-BR" dirty="0" smtClean="0"/>
-              <a:t>15</a:t>
+              <a:t>16</a:t>
             </a:r>
             <a:endParaRPr lang="pt-BR" dirty="0"/>
           </a:p>
@@ -6998,7 +6997,7 @@
             <a:pPr algn="ctr"/>
             <a:r>
               <a:rPr lang="pt-BR" dirty="0" smtClean="0"/>
-              <a:t>16</a:t>
+              <a:t>17</a:t>
             </a:r>
             <a:endParaRPr lang="pt-BR" dirty="0"/>
           </a:p>
@@ -7256,7 +7255,7 @@
             <a:pPr algn="ctr"/>
             <a:r>
               <a:rPr lang="pt-BR" dirty="0" smtClean="0"/>
-              <a:t>16</a:t>
+              <a:t>18</a:t>
             </a:r>
             <a:endParaRPr lang="pt-BR" dirty="0"/>
           </a:p>
@@ -7909,7 +7908,7 @@
             <a:pPr algn="ctr"/>
             <a:r>
               <a:rPr lang="pt-BR" dirty="0" smtClean="0"/>
-              <a:t>16</a:t>
+              <a:t>19</a:t>
             </a:r>
             <a:endParaRPr lang="pt-BR" dirty="0"/>
           </a:p>
@@ -8167,7 +8166,7 @@
             <a:pPr algn="ctr"/>
             <a:r>
               <a:rPr lang="pt-BR" dirty="0" smtClean="0"/>
-              <a:t>16</a:t>
+              <a:t>20</a:t>
             </a:r>
             <a:endParaRPr lang="pt-BR" dirty="0"/>
           </a:p>
@@ -9618,7 +9617,7 @@
         <p:spPr>
           <a:xfrm>
             <a:off x="11331224" y="6429423"/>
-            <a:ext cx="838200" cy="369332"/>
+            <a:ext cx="838200" cy="646331"/>
           </a:xfrm>
           <a:prstGeom prst="rect">
             <a:avLst/>
@@ -9634,8 +9633,11 @@
             <a:pPr algn="ctr"/>
             <a:r>
               <a:rPr lang="pt-BR" dirty="0" smtClean="0"/>
-              <a:t>16</a:t>
-            </a:r>
+              <a:t>21</a:t>
+            </a:r>
+          </a:p>
+          <a:p>
+            <a:pPr algn="ctr"/>
             <a:endParaRPr lang="pt-BR" dirty="0"/>
           </a:p>
         </p:txBody>
@@ -10190,7 +10192,7 @@
             <a:pPr algn="ctr"/>
             <a:r>
               <a:rPr lang="pt-BR" dirty="0" smtClean="0"/>
-              <a:t>16</a:t>
+              <a:t>22</a:t>
             </a:r>
             <a:endParaRPr lang="pt-BR" dirty="0"/>
           </a:p>
@@ -10445,7 +10447,7 @@
             <a:pPr algn="ctr"/>
             <a:r>
               <a:rPr lang="pt-BR" dirty="0" smtClean="0"/>
-              <a:t>16</a:t>
+              <a:t>23</a:t>
             </a:r>
             <a:endParaRPr lang="pt-BR" dirty="0"/>
           </a:p>
@@ -10700,7 +10702,7 @@
             <a:pPr algn="ctr"/>
             <a:r>
               <a:rPr lang="pt-BR" dirty="0" smtClean="0"/>
-              <a:t>16</a:t>
+              <a:t>24</a:t>
             </a:r>
             <a:endParaRPr lang="pt-BR" dirty="0"/>
           </a:p>
@@ -10952,7 +10954,7 @@
             <a:pPr algn="ctr"/>
             <a:r>
               <a:rPr lang="pt-BR" dirty="0" smtClean="0"/>
-              <a:t>16</a:t>
+              <a:t>25</a:t>
             </a:r>
             <a:endParaRPr lang="pt-BR" dirty="0"/>
           </a:p>
@@ -10974,8 +10976,8 @@
         </p:blipFill>
         <p:spPr>
           <a:xfrm>
-            <a:off x="818712" y="1865066"/>
-            <a:ext cx="10308633" cy="4933689"/>
+            <a:off x="1920476" y="1834468"/>
+            <a:ext cx="8634381" cy="4933689"/>
           </a:xfrm>
           <a:prstGeom prst="rect">
             <a:avLst/>
@@ -11257,8 +11259,12 @@
           <a:p>
             <a:pPr algn="ctr"/>
             <a:r>
+              <a:rPr lang="pt-BR" dirty="0"/>
+              <a:t>2</a:t>
+            </a:r>
+            <a:r>
               <a:rPr lang="pt-BR" dirty="0" smtClean="0"/>
-              <a:t>16</a:t>
+              <a:t>6</a:t>
             </a:r>
             <a:endParaRPr lang="pt-BR" dirty="0"/>
           </a:p>
@@ -11503,7 +11509,7 @@
                   <a:prstClr val="black"/>
                 </a:solidFill>
               </a:rPr>
-              <a:t>Suportar Triggers</a:t>
+              <a:t>Suporta Triggers</a:t>
             </a:r>
           </a:p>
           <a:p>
@@ -11711,7 +11717,7 @@
             <a:pPr algn="ctr"/>
             <a:r>
               <a:rPr lang="pt-BR" dirty="0" smtClean="0"/>
-              <a:t>16</a:t>
+              <a:t>27</a:t>
             </a:r>
             <a:endParaRPr lang="pt-BR" dirty="0"/>
           </a:p>
@@ -11846,15 +11852,7 @@
             </a:pPr>
             <a:r>
               <a:rPr lang="pt-BR" sz="1800" dirty="0" smtClean="0"/>
-              <a:t>Visual de </a:t>
-            </a:r>
-            <a:r>
-              <a:rPr lang="pt-BR" sz="1800" dirty="0" err="1" smtClean="0"/>
-              <a:t>desing</a:t>
-            </a:r>
-            <a:r>
-              <a:rPr lang="pt-BR" sz="1800" dirty="0" smtClean="0"/>
-              <a:t> de banco de dados.</a:t>
+              <a:t>Modelagem de banco de dados.</a:t>
             </a:r>
           </a:p>
           <a:p>
@@ -12048,7 +12046,7 @@
             <a:pPr algn="ctr"/>
             <a:r>
               <a:rPr lang="pt-BR" dirty="0" smtClean="0"/>
-              <a:t>16</a:t>
+              <a:t>28</a:t>
             </a:r>
             <a:endParaRPr lang="pt-BR" dirty="0"/>
           </a:p>
@@ -12417,7 +12415,7 @@
           <a:p>
             <a:r>
               <a:rPr lang="pt-BR" dirty="0" smtClean="0"/>
-              <a:t>MySQL Workbench</a:t>
+              <a:t>MVC</a:t>
             </a:r>
             <a:endParaRPr lang="pt-BR" dirty="0"/>
           </a:p>
@@ -12441,14 +12439,145 @@
         </p:spPr>
         <p:txBody>
           <a:bodyPr>
-            <a:normAutofit/>
+            <a:normAutofit lnSpcReduction="10000"/>
           </a:bodyPr>
           <a:lstStyle/>
+          <a:p>
+            <a:r>
+              <a:rPr lang="pt-BR" dirty="0" err="1" smtClean="0"/>
+              <a:t>Model</a:t>
+            </a:r>
+            <a:r>
+              <a:rPr lang="pt-BR" dirty="0" smtClean="0"/>
+              <a:t> – </a:t>
+            </a:r>
+            <a:r>
+              <a:rPr lang="pt-BR" dirty="0" err="1" smtClean="0"/>
+              <a:t>View</a:t>
+            </a:r>
+            <a:r>
+              <a:rPr lang="pt-BR" dirty="0" smtClean="0"/>
+              <a:t> - </a:t>
+            </a:r>
+            <a:r>
+              <a:rPr lang="pt-BR" dirty="0" err="1" smtClean="0"/>
+              <a:t>Controller</a:t>
+            </a:r>
+            <a:endParaRPr lang="pt-BR" dirty="0" smtClean="0"/>
+          </a:p>
+          <a:p>
+            <a:pPr lvl="1">
+              <a:buFont typeface="Courier New" panose="02070309020205020404" pitchFamily="49" charset="0"/>
+              <a:buChar char="o"/>
+            </a:pPr>
+            <a:r>
+              <a:rPr lang="pt-BR" sz="1800" dirty="0" smtClean="0"/>
+              <a:t>Modelo, Visão e Controlador</a:t>
+            </a:r>
+          </a:p>
+          <a:p>
+            <a:pPr lvl="1">
+              <a:buFont typeface="Courier New" panose="02070309020205020404" pitchFamily="49" charset="0"/>
+              <a:buChar char="o"/>
+            </a:pPr>
+            <a:r>
+              <a:rPr lang="pt-BR" sz="1800" dirty="0" smtClean="0"/>
+              <a:t>Padrão de arquitetura de software (Design </a:t>
+            </a:r>
+            <a:r>
+              <a:rPr lang="pt-BR" sz="1800" dirty="0" err="1"/>
+              <a:t>P</a:t>
+            </a:r>
+            <a:r>
+              <a:rPr lang="pt-BR" sz="1800" dirty="0" err="1" smtClean="0"/>
+              <a:t>attern</a:t>
+            </a:r>
+            <a:r>
+              <a:rPr lang="pt-BR" sz="1800" dirty="0" smtClean="0"/>
+              <a:t>)</a:t>
+            </a:r>
+          </a:p>
+          <a:p>
+            <a:pPr lvl="1">
+              <a:buFont typeface="Courier New" panose="02070309020205020404" pitchFamily="49" charset="0"/>
+              <a:buChar char="o"/>
+            </a:pPr>
+            <a:r>
+              <a:rPr lang="pt-BR" sz="1800" dirty="0" smtClean="0"/>
+              <a:t>Separa a aplicação em camadas</a:t>
+            </a:r>
+          </a:p>
+          <a:p>
+            <a:pPr lvl="1">
+              <a:buFont typeface="Courier New" panose="02070309020205020404" pitchFamily="49" charset="0"/>
+              <a:buChar char="o"/>
+            </a:pPr>
+            <a:endParaRPr lang="pt-BR" sz="1800" dirty="0" smtClean="0"/>
+          </a:p>
           <a:p>
             <a:pPr marL="0" indent="0">
               <a:buNone/>
             </a:pPr>
-            <a:endParaRPr lang="pt-BR" sz="1200" dirty="0"/>
+            <a:endParaRPr lang="pt-BR" dirty="0" smtClean="0"/>
+          </a:p>
+          <a:p>
+            <a:r>
+              <a:rPr lang="pt-BR" dirty="0" smtClean="0"/>
+              <a:t>Principais objetivos do MVC</a:t>
+            </a:r>
+          </a:p>
+          <a:p>
+            <a:pPr lvl="1">
+              <a:buFont typeface="Courier New" panose="02070309020205020404" pitchFamily="49" charset="0"/>
+              <a:buChar char="o"/>
+            </a:pPr>
+            <a:r>
+              <a:rPr lang="pt-BR" sz="1400" dirty="0" smtClean="0"/>
+              <a:t>Separação de conceitos e responsabilidades</a:t>
+            </a:r>
+            <a:endParaRPr lang="pt-BR" sz="1400" dirty="0"/>
+          </a:p>
+          <a:p>
+            <a:pPr lvl="1">
+              <a:buFont typeface="Courier New" panose="02070309020205020404" pitchFamily="49" charset="0"/>
+              <a:buChar char="o"/>
+            </a:pPr>
+            <a:r>
+              <a:rPr lang="pt-BR" sz="1400" dirty="0" err="1" smtClean="0"/>
+              <a:t>Reusabilidade</a:t>
+            </a:r>
+            <a:r>
+              <a:rPr lang="pt-BR" sz="1400" dirty="0" smtClean="0"/>
+              <a:t> de código</a:t>
+            </a:r>
+          </a:p>
+          <a:p>
+            <a:endParaRPr lang="pt-BR" dirty="0"/>
+          </a:p>
+          <a:p>
+            <a:r>
+              <a:rPr lang="pt-BR" dirty="0" smtClean="0"/>
+              <a:t>O padrão foi relatado pela primeira vez em 1979, entretanto ainda é muito utilizado atualmente.</a:t>
+            </a:r>
+          </a:p>
+          <a:p>
+            <a:endParaRPr lang="pt-BR" dirty="0"/>
+          </a:p>
+          <a:p>
+            <a:pPr marL="0" indent="0">
+              <a:buNone/>
+            </a:pPr>
+            <a:endParaRPr lang="pt-BR" dirty="0" smtClean="0"/>
+          </a:p>
+          <a:p>
+            <a:pPr lvl="1">
+              <a:buFont typeface="Courier New" panose="02070309020205020404" pitchFamily="49" charset="0"/>
+              <a:buChar char="o"/>
+            </a:pPr>
+            <a:endParaRPr lang="pt-BR" dirty="0" smtClean="0"/>
+          </a:p>
+          <a:p>
+            <a:endParaRPr lang="pt-BR" dirty="0"/>
           </a:p>
         </p:txBody>
       </p:sp>
@@ -12567,40 +12696,16 @@
             <a:pPr algn="ctr"/>
             <a:r>
               <a:rPr lang="pt-BR" dirty="0" smtClean="0"/>
-              <a:t>16</a:t>
+              <a:t>29</a:t>
             </a:r>
             <a:endParaRPr lang="pt-BR" dirty="0"/>
           </a:p>
         </p:txBody>
       </p:sp>
-      <p:pic>
-        <p:nvPicPr>
-          <p:cNvPr id="4" name="Imagem 3"/>
-          <p:cNvPicPr>
-            <a:picLocks noChangeAspect="1"/>
-          </p:cNvPicPr>
-          <p:nvPr/>
-        </p:nvPicPr>
-        <p:blipFill>
-          <a:blip r:embed="rId5"/>
-          <a:stretch>
-            <a:fillRect/>
-          </a:stretch>
-        </p:blipFill>
-        <p:spPr>
-          <a:xfrm>
-            <a:off x="1841679" y="2446986"/>
-            <a:ext cx="8537226" cy="2801485"/>
-          </a:xfrm>
-          <a:prstGeom prst="rect">
-            <a:avLst/>
-          </a:prstGeom>
-        </p:spPr>
-      </p:pic>
     </p:spTree>
     <p:extLst>
       <p:ext uri="{BB962C8B-B14F-4D97-AF65-F5344CB8AC3E}">
-        <p14:creationId xmlns:p14="http://schemas.microsoft.com/office/powerpoint/2010/main" val="921379726"/>
+        <p14:creationId xmlns:p14="http://schemas.microsoft.com/office/powerpoint/2010/main" val="3169116524"/>
       </p:ext>
     </p:extLst>
   </p:cSld>
@@ -12656,7 +12761,7 @@
           <a:p>
             <a:r>
               <a:rPr lang="pt-BR" dirty="0" smtClean="0"/>
-              <a:t>MVC</a:t>
+              <a:t>MVC - Camadas</a:t>
             </a:r>
             <a:endParaRPr lang="pt-BR" dirty="0"/>
           </a:p>
@@ -12686,9 +12791,12 @@
           <a:p>
             <a:r>
               <a:rPr lang="pt-BR" dirty="0" err="1" smtClean="0"/>
-              <a:t>Model-View-Controller</a:t>
-            </a:r>
-            <a:endParaRPr lang="pt-BR" dirty="0" smtClean="0"/>
+              <a:t>Model</a:t>
+            </a:r>
+            <a:r>
+              <a:rPr lang="pt-BR" dirty="0" smtClean="0"/>
+              <a:t> (Modelo)</a:t>
+            </a:r>
           </a:p>
           <a:p>
             <a:pPr lvl="1">
@@ -12697,7 +12805,7 @@
             </a:pPr>
             <a:r>
               <a:rPr lang="pt-BR" sz="1800" dirty="0" smtClean="0"/>
-              <a:t>Modelo, Visão e Controlador</a:t>
+              <a:t>Responsável pela manipulação dos dados. (leitura, escrita e validações)</a:t>
             </a:r>
           </a:p>
           <a:p>
@@ -12707,23 +12815,23 @@
             </a:pPr>
             <a:r>
               <a:rPr lang="pt-BR" sz="1800" dirty="0" smtClean="0"/>
-              <a:t>Padrão de arquitetura de software (</a:t>
-            </a:r>
-            <a:r>
-              <a:rPr lang="pt-BR" sz="1800" dirty="0" err="1" smtClean="0"/>
-              <a:t>desing</a:t>
-            </a:r>
-            <a:r>
-              <a:rPr lang="pt-BR" sz="1800" dirty="0" smtClean="0"/>
-              <a:t> </a:t>
-            </a:r>
-            <a:r>
-              <a:rPr lang="pt-BR" sz="1800" dirty="0" err="1" smtClean="0"/>
-              <a:t>pattern</a:t>
-            </a:r>
-            <a:r>
-              <a:rPr lang="pt-BR" sz="1800" dirty="0" smtClean="0"/>
-              <a:t>)</a:t>
+              <a:t>Comunica-se com controladores para informar uma mudança de estado.</a:t>
+            </a:r>
+          </a:p>
+          <a:p>
+            <a:pPr marL="0" indent="0">
+              <a:buNone/>
+            </a:pPr>
+            <a:endParaRPr lang="pt-BR" dirty="0" smtClean="0"/>
+          </a:p>
+          <a:p>
+            <a:r>
+              <a:rPr lang="pt-BR" dirty="0" err="1" smtClean="0"/>
+              <a:t>View</a:t>
+            </a:r>
+            <a:r>
+              <a:rPr lang="pt-BR" dirty="0" smtClean="0"/>
+              <a:t> (Visão)</a:t>
             </a:r>
           </a:p>
           <a:p>
@@ -12733,7 +12841,7 @@
             </a:pPr>
             <a:r>
               <a:rPr lang="pt-BR" sz="1800" dirty="0" smtClean="0"/>
-              <a:t>Separa a aplicação em camadas</a:t>
+              <a:t>Responsável pela interação com o usuário.</a:t>
             </a:r>
           </a:p>
           <a:p>
@@ -12741,19 +12849,48 @@
               <a:buFont typeface="Courier New" panose="02070309020205020404" pitchFamily="49" charset="0"/>
               <a:buChar char="o"/>
             </a:pPr>
-            <a:endParaRPr lang="pt-BR" sz="1800" dirty="0" smtClean="0"/>
-          </a:p>
-          <a:p>
-            <a:pPr marL="0" indent="0">
-              <a:buNone/>
-            </a:pPr>
-            <a:endParaRPr lang="pt-BR" dirty="0" smtClean="0"/>
-          </a:p>
-          <a:p>
+            <a:r>
+              <a:rPr lang="pt-BR" sz="1800" dirty="0" smtClean="0"/>
+              <a:t>Realiza a exibição dos dados provenientes da requisição HTTP. (</a:t>
+            </a:r>
+            <a:r>
+              <a:rPr lang="pt-BR" sz="1800" dirty="0" err="1" smtClean="0"/>
+              <a:t>html</a:t>
+            </a:r>
+            <a:r>
+              <a:rPr lang="pt-BR" sz="1800" dirty="0" smtClean="0"/>
+              <a:t> , </a:t>
+            </a:r>
+            <a:r>
+              <a:rPr lang="pt-BR" sz="1800" dirty="0" err="1" smtClean="0"/>
+              <a:t>xml</a:t>
+            </a:r>
+            <a:r>
+              <a:rPr lang="pt-BR" sz="1800" dirty="0" smtClean="0"/>
+              <a:t>, </a:t>
+            </a:r>
+            <a:r>
+              <a:rPr lang="pt-BR" sz="1800" dirty="0" err="1" smtClean="0"/>
+              <a:t>json</a:t>
+            </a:r>
+            <a:r>
+              <a:rPr lang="pt-BR" sz="1800" dirty="0" smtClean="0"/>
+              <a:t>)</a:t>
+            </a:r>
+          </a:p>
+          <a:p>
+            <a:endParaRPr lang="pt-BR" dirty="0"/>
+          </a:p>
+          <a:p>
+            <a:r>
+              <a:rPr lang="pt-BR" dirty="0" err="1" smtClean="0"/>
+              <a:t>Controller</a:t>
+            </a:r>
             <a:r>
               <a:rPr lang="pt-BR" dirty="0" smtClean="0"/>
-              <a:t>Principais objetivos do MVC</a:t>
-            </a:r>
+              <a:t> (Controlador)</a:t>
+            </a:r>
+            <a:endParaRPr lang="pt-BR" dirty="0"/>
           </a:p>
           <a:p>
             <a:pPr lvl="1">
@@ -12761,10 +12898,9 @@
               <a:buChar char="o"/>
             </a:pPr>
             <a:r>
-              <a:rPr lang="pt-BR" sz="1400" dirty="0" smtClean="0"/>
-              <a:t>Separação de conceitos e responsabilidades</a:t>
-            </a:r>
-            <a:endParaRPr lang="pt-BR" sz="1400" dirty="0"/>
+              <a:rPr lang="pt-BR" sz="1800" dirty="0" smtClean="0"/>
+              <a:t>Responsável por receber requisições dos usuários.</a:t>
+            </a:r>
           </a:p>
           <a:p>
             <a:pPr lvl="1">
@@ -12772,24 +12908,19 @@
               <a:buChar char="o"/>
             </a:pPr>
             <a:r>
-              <a:rPr lang="pt-BR" sz="1400" dirty="0" err="1" smtClean="0"/>
-              <a:t>Reusabilidade</a:t>
-            </a:r>
-            <a:r>
-              <a:rPr lang="pt-BR" sz="1400" dirty="0" smtClean="0"/>
-              <a:t> de código</a:t>
-            </a:r>
-            <a:endParaRPr lang="pt-BR" sz="1400" dirty="0" smtClean="0"/>
-          </a:p>
-          <a:p>
-            <a:endParaRPr lang="pt-BR" dirty="0"/>
-          </a:p>
-          <a:p>
-            <a:r>
-              <a:rPr lang="pt-BR" dirty="0" smtClean="0"/>
-              <a:t>O padrão foi relatado pela primeira vez em 1979, entretanto ainda é muito utilizado atualmente.</a:t>
-            </a:r>
-            <a:endParaRPr lang="pt-BR" dirty="0" smtClean="0"/>
+              <a:rPr lang="pt-BR" sz="1800" dirty="0" smtClean="0"/>
+              <a:t>Controlam qual visão será mostrada para o usuário e qual modelo será utilizado.</a:t>
+            </a:r>
+          </a:p>
+          <a:p>
+            <a:pPr lvl="1">
+              <a:buFont typeface="Courier New" panose="02070309020205020404" pitchFamily="49" charset="0"/>
+              <a:buChar char="o"/>
+            </a:pPr>
+            <a:r>
+              <a:rPr lang="pt-BR" sz="1800" dirty="0" smtClean="0"/>
+              <a:t>Trabalha como um intermediário entre modelos e visões.</a:t>
+            </a:r>
           </a:p>
           <a:p>
             <a:endParaRPr lang="pt-BR" dirty="0"/>
@@ -12927,7 +13058,7 @@
             <a:pPr algn="ctr"/>
             <a:r>
               <a:rPr lang="pt-BR" dirty="0" smtClean="0"/>
-              <a:t>16</a:t>
+              <a:t>30</a:t>
             </a:r>
             <a:endParaRPr lang="pt-BR" dirty="0"/>
           </a:p>
@@ -12936,7 +13067,7 @@
     </p:spTree>
     <p:extLst>
       <p:ext uri="{BB962C8B-B14F-4D97-AF65-F5344CB8AC3E}">
-        <p14:creationId xmlns:p14="http://schemas.microsoft.com/office/powerpoint/2010/main" val="3169116524"/>
+        <p14:creationId xmlns:p14="http://schemas.microsoft.com/office/powerpoint/2010/main" val="1635324380"/>
       </p:ext>
     </p:extLst>
   </p:cSld>
@@ -12992,7 +13123,7 @@
           <a:p>
             <a:r>
               <a:rPr lang="pt-BR" dirty="0" smtClean="0"/>
-              <a:t>MVC - Camadas</a:t>
+              <a:t>MVC</a:t>
             </a:r>
             <a:endParaRPr lang="pt-BR" dirty="0"/>
           </a:p>
@@ -13016,162 +13147,9 @@
         </p:spPr>
         <p:txBody>
           <a:bodyPr>
-            <a:normAutofit lnSpcReduction="10000"/>
+            <a:normAutofit/>
           </a:bodyPr>
           <a:lstStyle/>
-          <a:p>
-            <a:r>
-              <a:rPr lang="pt-BR" dirty="0" err="1" smtClean="0"/>
-              <a:t>Model</a:t>
-            </a:r>
-            <a:r>
-              <a:rPr lang="pt-BR" dirty="0" smtClean="0"/>
-              <a:t> (Modelo)</a:t>
-            </a:r>
-            <a:endParaRPr lang="pt-BR" dirty="0" smtClean="0"/>
-          </a:p>
-          <a:p>
-            <a:pPr lvl="1">
-              <a:buFont typeface="Courier New" panose="02070309020205020404" pitchFamily="49" charset="0"/>
-              <a:buChar char="o"/>
-            </a:pPr>
-            <a:r>
-              <a:rPr lang="pt-BR" sz="1800" dirty="0" smtClean="0"/>
-              <a:t>Responsável pela manipulação dos dados. (leitura, escrita e validações)</a:t>
-            </a:r>
-          </a:p>
-          <a:p>
-            <a:pPr lvl="1">
-              <a:buFont typeface="Courier New" panose="02070309020205020404" pitchFamily="49" charset="0"/>
-              <a:buChar char="o"/>
-            </a:pPr>
-            <a:r>
-              <a:rPr lang="pt-BR" sz="1800" dirty="0" smtClean="0"/>
-              <a:t>Comunica-se com as </a:t>
-            </a:r>
-            <a:r>
-              <a:rPr lang="pt-BR" sz="1800" dirty="0" err="1" smtClean="0"/>
-              <a:t>view’s</a:t>
-            </a:r>
-            <a:r>
-              <a:rPr lang="pt-BR" sz="1800" dirty="0" smtClean="0"/>
-              <a:t> e </a:t>
-            </a:r>
-            <a:r>
-              <a:rPr lang="pt-BR" sz="1800" dirty="0" err="1" smtClean="0"/>
-              <a:t>controller’s</a:t>
-            </a:r>
-            <a:r>
-              <a:rPr lang="pt-BR" sz="1800" dirty="0" smtClean="0"/>
-              <a:t> para informar uma mudança de estado.</a:t>
-            </a:r>
-            <a:endParaRPr lang="pt-BR" sz="1800" dirty="0" smtClean="0"/>
-          </a:p>
-          <a:p>
-            <a:pPr marL="0" indent="0">
-              <a:buNone/>
-            </a:pPr>
-            <a:endParaRPr lang="pt-BR" dirty="0" smtClean="0"/>
-          </a:p>
-          <a:p>
-            <a:r>
-              <a:rPr lang="pt-BR" dirty="0" err="1" smtClean="0"/>
-              <a:t>View</a:t>
-            </a:r>
-            <a:r>
-              <a:rPr lang="pt-BR" dirty="0" smtClean="0"/>
-              <a:t> (Visão).</a:t>
-            </a:r>
-            <a:endParaRPr lang="pt-BR" dirty="0" smtClean="0"/>
-          </a:p>
-          <a:p>
-            <a:pPr lvl="1">
-              <a:buFont typeface="Courier New" panose="02070309020205020404" pitchFamily="49" charset="0"/>
-              <a:buChar char="o"/>
-            </a:pPr>
-            <a:r>
-              <a:rPr lang="pt-BR" sz="1800" dirty="0" smtClean="0"/>
-              <a:t>Responsável pela interação com o usuário.</a:t>
-            </a:r>
-          </a:p>
-          <a:p>
-            <a:pPr lvl="1">
-              <a:buFont typeface="Courier New" panose="02070309020205020404" pitchFamily="49" charset="0"/>
-              <a:buChar char="o"/>
-            </a:pPr>
-            <a:r>
-              <a:rPr lang="pt-BR" sz="1800" dirty="0" smtClean="0"/>
-              <a:t>Realiza a exibição dos dados. (</a:t>
-            </a:r>
-            <a:r>
-              <a:rPr lang="pt-BR" sz="1800" dirty="0" err="1" smtClean="0"/>
-              <a:t>html</a:t>
-            </a:r>
-            <a:r>
-              <a:rPr lang="pt-BR" sz="1800" dirty="0" smtClean="0"/>
-              <a:t> ou </a:t>
-            </a:r>
-            <a:r>
-              <a:rPr lang="pt-BR" sz="1800" dirty="0" err="1" smtClean="0"/>
-              <a:t>xml</a:t>
-            </a:r>
-            <a:r>
-              <a:rPr lang="pt-BR" sz="1800" dirty="0" smtClean="0"/>
-              <a:t>)</a:t>
-            </a:r>
-            <a:endParaRPr lang="pt-BR" sz="1800" dirty="0" smtClean="0"/>
-          </a:p>
-          <a:p>
-            <a:endParaRPr lang="pt-BR" dirty="0"/>
-          </a:p>
-          <a:p>
-            <a:r>
-              <a:rPr lang="pt-BR" dirty="0" err="1" smtClean="0"/>
-              <a:t>Controller</a:t>
-            </a:r>
-            <a:r>
-              <a:rPr lang="pt-BR" dirty="0" smtClean="0"/>
-              <a:t> (Controlador)</a:t>
-            </a:r>
-            <a:endParaRPr lang="pt-BR" dirty="0"/>
-          </a:p>
-          <a:p>
-            <a:pPr lvl="1">
-              <a:buFont typeface="Courier New" panose="02070309020205020404" pitchFamily="49" charset="0"/>
-              <a:buChar char="o"/>
-            </a:pPr>
-            <a:r>
-              <a:rPr lang="pt-BR" sz="1800" dirty="0" smtClean="0"/>
-              <a:t>Responsável por receber requisições dos usuários.</a:t>
-            </a:r>
-          </a:p>
-          <a:p>
-            <a:pPr lvl="1">
-              <a:buFont typeface="Courier New" panose="02070309020205020404" pitchFamily="49" charset="0"/>
-              <a:buChar char="o"/>
-            </a:pPr>
-            <a:r>
-              <a:rPr lang="pt-BR" sz="1800" dirty="0" smtClean="0"/>
-              <a:t>Controlam qual </a:t>
-            </a:r>
-            <a:r>
-              <a:rPr lang="pt-BR" sz="1800" dirty="0" err="1" smtClean="0"/>
-              <a:t>view</a:t>
-            </a:r>
-            <a:r>
-              <a:rPr lang="pt-BR" sz="1800" dirty="0" smtClean="0"/>
-              <a:t> será mostrada para o usuário e qual </a:t>
-            </a:r>
-            <a:r>
-              <a:rPr lang="pt-BR" sz="1800" dirty="0" err="1" smtClean="0"/>
-              <a:t>model</a:t>
-            </a:r>
-            <a:r>
-              <a:rPr lang="pt-BR" sz="1800" dirty="0" smtClean="0"/>
-              <a:t> será utilizado.</a:t>
-            </a:r>
-            <a:endParaRPr lang="pt-BR" sz="1800" dirty="0" smtClean="0"/>
-          </a:p>
           <a:p>
             <a:endParaRPr lang="pt-BR" dirty="0"/>
           </a:p>
@@ -13308,16 +13286,46 @@
             <a:pPr algn="ctr"/>
             <a:r>
               <a:rPr lang="pt-BR" dirty="0" smtClean="0"/>
-              <a:t>16</a:t>
+              <a:t>31</a:t>
             </a:r>
             <a:endParaRPr lang="pt-BR" dirty="0"/>
           </a:p>
         </p:txBody>
       </p:sp>
+      <p:pic>
+        <p:nvPicPr>
+          <p:cNvPr id="4" name="Imagem 3"/>
+          <p:cNvPicPr>
+            <a:picLocks noChangeAspect="1"/>
+          </p:cNvPicPr>
+          <p:nvPr/>
+        </p:nvPicPr>
+        <p:blipFill>
+          <a:blip r:embed="rId5">
+            <a:extLst>
+              <a:ext uri="{28A0092B-C50C-407E-A947-70E740481C1C}">
+                <a14:useLocalDpi xmlns:a14="http://schemas.microsoft.com/office/drawing/2010/main" val="0"/>
+              </a:ext>
+            </a:extLst>
+          </a:blip>
+          <a:stretch>
+            <a:fillRect/>
+          </a:stretch>
+        </p:blipFill>
+        <p:spPr>
+          <a:xfrm>
+            <a:off x="2472743" y="1834468"/>
+            <a:ext cx="6980349" cy="4838700"/>
+          </a:xfrm>
+          <a:prstGeom prst="rect">
+            <a:avLst/>
+          </a:prstGeom>
+        </p:spPr>
+      </p:pic>
     </p:spTree>
     <p:extLst>
       <p:ext uri="{BB962C8B-B14F-4D97-AF65-F5344CB8AC3E}">
-        <p14:creationId xmlns:p14="http://schemas.microsoft.com/office/powerpoint/2010/main" val="1635324380"/>
+        <p14:creationId xmlns:p14="http://schemas.microsoft.com/office/powerpoint/2010/main" val="244842042"/>
       </p:ext>
     </p:extLst>
   </p:cSld>
@@ -13373,7 +13381,7 @@
           <a:p>
             <a:r>
               <a:rPr lang="pt-BR" dirty="0" smtClean="0"/>
-              <a:t>MVC</a:t>
+              <a:t>Ajax</a:t>
             </a:r>
             <a:endParaRPr lang="pt-BR" dirty="0"/>
           </a:p>
@@ -13397,9 +13405,101 @@
         </p:spPr>
         <p:txBody>
           <a:bodyPr>
-            <a:normAutofit/>
+            <a:normAutofit fontScale="92500"/>
           </a:bodyPr>
           <a:lstStyle/>
+          <a:p>
+            <a:r>
+              <a:rPr lang="pt-BR" dirty="0" err="1" smtClean="0"/>
+              <a:t>JavaScript</a:t>
+            </a:r>
+            <a:r>
+              <a:rPr lang="pt-BR" dirty="0" smtClean="0"/>
+              <a:t> e XML Assíncronos</a:t>
+            </a:r>
+          </a:p>
+          <a:p>
+            <a:pPr lvl="1">
+              <a:buFont typeface="Courier New" panose="02070309020205020404" pitchFamily="49" charset="0"/>
+              <a:buChar char="o"/>
+            </a:pPr>
+            <a:r>
+              <a:rPr lang="pt-BR" sz="1800" dirty="0" smtClean="0"/>
+              <a:t>É um conjunto de tecnologias de desenvolvimento web, que tornam sites mais interativos com os usuários.</a:t>
+            </a:r>
+          </a:p>
+          <a:p>
+            <a:pPr lvl="1">
+              <a:buFont typeface="Courier New" panose="02070309020205020404" pitchFamily="49" charset="0"/>
+              <a:buChar char="o"/>
+            </a:pPr>
+            <a:r>
+              <a:rPr lang="pt-BR" sz="1800" dirty="0" smtClean="0"/>
+              <a:t>Fornece método para troca de dados de forma assíncrona entre navegador e servidor.</a:t>
+            </a:r>
+          </a:p>
+          <a:p>
+            <a:pPr marL="0" indent="0">
+              <a:buNone/>
+            </a:pPr>
+            <a:endParaRPr lang="pt-BR" dirty="0" smtClean="0"/>
+          </a:p>
+          <a:p>
+            <a:r>
+              <a:rPr lang="pt-BR" dirty="0" smtClean="0"/>
+              <a:t>Com Ajax é possível</a:t>
+            </a:r>
+            <a:r>
+              <a:rPr lang="pt-BR" dirty="0"/>
+              <a:t>:</a:t>
+            </a:r>
+            <a:endParaRPr lang="pt-BR" dirty="0" smtClean="0"/>
+          </a:p>
+          <a:p>
+            <a:pPr lvl="1">
+              <a:buFont typeface="Courier New" panose="02070309020205020404" pitchFamily="49" charset="0"/>
+              <a:buChar char="o"/>
+            </a:pPr>
+            <a:r>
+              <a:rPr lang="pt-BR" sz="1800" dirty="0" smtClean="0"/>
+              <a:t>Atualizar uma página web sem recarregar a página.</a:t>
+            </a:r>
+          </a:p>
+          <a:p>
+            <a:pPr lvl="1">
+              <a:buFont typeface="Courier New" panose="02070309020205020404" pitchFamily="49" charset="0"/>
+              <a:buChar char="o"/>
+            </a:pPr>
+            <a:r>
+              <a:rPr lang="pt-BR" sz="1800" dirty="0" smtClean="0"/>
+              <a:t>Receber dados de um servidor depois que a página já foi carregada.</a:t>
+            </a:r>
+          </a:p>
+          <a:p>
+            <a:pPr lvl="1">
+              <a:buFont typeface="Courier New" panose="02070309020205020404" pitchFamily="49" charset="0"/>
+              <a:buChar char="o"/>
+            </a:pPr>
+            <a:r>
+              <a:rPr lang="pt-BR" sz="1800" dirty="0" smtClean="0"/>
+              <a:t>Enviar dados ao servidor em segundo plano, ou plano de fundo.</a:t>
+            </a:r>
+          </a:p>
+          <a:p>
+            <a:endParaRPr lang="pt-BR" dirty="0"/>
+          </a:p>
+          <a:p>
+            <a:r>
+              <a:rPr lang="pt-BR" dirty="0" smtClean="0"/>
+              <a:t>Muito utilizado para realizar requisições.</a:t>
+            </a:r>
+          </a:p>
+          <a:p>
+            <a:r>
+              <a:rPr lang="pt-BR" dirty="0" smtClean="0"/>
+              <a:t>Foco em atuações dinâmicas.</a:t>
+            </a:r>
+          </a:p>
           <a:p>
             <a:endParaRPr lang="pt-BR" dirty="0"/>
           </a:p>
@@ -13536,7 +13636,7 @@
             <a:pPr algn="ctr"/>
             <a:r>
               <a:rPr lang="pt-BR" dirty="0" smtClean="0"/>
-              <a:t>16</a:t>
+              <a:t>32</a:t>
             </a:r>
             <a:endParaRPr lang="pt-BR" dirty="0"/>
           </a:p>
@@ -13551,7 +13651,7 @@
           <p:nvPr/>
         </p:nvPicPr>
         <p:blipFill>
-          <a:blip r:embed="rId5">
+          <a:blip r:embed="rId5" cstate="print">
             <a:extLst>
               <a:ext uri="{28A0092B-C50C-407E-A947-70E740481C1C}">
                 <a14:useLocalDpi xmlns:a14="http://schemas.microsoft.com/office/drawing/2010/main" val="0"/>
@@ -13564,8 +13664,8 @@
         </p:blipFill>
         <p:spPr>
           <a:xfrm>
-            <a:off x="2472743" y="1834468"/>
-            <a:ext cx="6980349" cy="4838700"/>
+            <a:off x="7906287" y="4059282"/>
+            <a:ext cx="3620304" cy="1737746"/>
           </a:xfrm>
           <a:prstGeom prst="rect">
             <a:avLst/>
@@ -13575,7 +13675,7 @@
     </p:spTree>
     <p:extLst>
       <p:ext uri="{BB962C8B-B14F-4D97-AF65-F5344CB8AC3E}">
-        <p14:creationId xmlns:p14="http://schemas.microsoft.com/office/powerpoint/2010/main" val="244842042"/>
+        <p14:creationId xmlns:p14="http://schemas.microsoft.com/office/powerpoint/2010/main" val="1705065099"/>
       </p:ext>
     </p:extLst>
   </p:cSld>
@@ -13631,7 +13731,7 @@
           <a:p>
             <a:r>
               <a:rPr lang="pt-BR" dirty="0" smtClean="0"/>
-              <a:t>MVC</a:t>
+              <a:t>Prática</a:t>
             </a:r>
             <a:endParaRPr lang="pt-BR" dirty="0"/>
           </a:p>
@@ -13794,7 +13894,7 @@
             <a:pPr algn="ctr"/>
             <a:r>
               <a:rPr lang="pt-BR" dirty="0" smtClean="0"/>
-              <a:t>16</a:t>
+              <a:t>33</a:t>
             </a:r>
             <a:endParaRPr lang="pt-BR" dirty="0"/>
           </a:p>
@@ -13802,7 +13902,7 @@
       </p:sp>
       <p:pic>
         <p:nvPicPr>
-          <p:cNvPr id="10" name="Imagem 9"/>
+          <p:cNvPr id="6" name="Imagem 5"/>
           <p:cNvPicPr>
             <a:picLocks noChangeAspect="1"/>
           </p:cNvPicPr>
@@ -13816,8 +13916,8 @@
         </p:blipFill>
         <p:spPr>
           <a:xfrm>
-            <a:off x="1841679" y="2446986"/>
-            <a:ext cx="8537226" cy="2801485"/>
+            <a:off x="1955442" y="2455223"/>
+            <a:ext cx="8281116" cy="3208117"/>
           </a:xfrm>
           <a:prstGeom prst="rect">
             <a:avLst/>
@@ -13827,7 +13927,7 @@
     </p:spTree>
     <p:extLst>
       <p:ext uri="{BB962C8B-B14F-4D97-AF65-F5344CB8AC3E}">
-        <p14:creationId xmlns:p14="http://schemas.microsoft.com/office/powerpoint/2010/main" val="1929266084"/>
+        <p14:creationId xmlns:p14="http://schemas.microsoft.com/office/powerpoint/2010/main" val="2511183426"/>
       </p:ext>
     </p:extLst>
   </p:cSld>
@@ -13883,7 +13983,7 @@
           <a:p>
             <a:r>
               <a:rPr lang="pt-BR" dirty="0" smtClean="0"/>
-              <a:t>Ajax</a:t>
+              <a:t>Obrigado!</a:t>
             </a:r>
             <a:endParaRPr lang="pt-BR" dirty="0"/>
           </a:p>
@@ -13907,152 +14007,14 @@
         </p:spPr>
         <p:txBody>
           <a:bodyPr>
-            <a:normAutofit fontScale="92500" lnSpcReduction="20000"/>
+            <a:noAutofit/>
           </a:bodyPr>
           <a:lstStyle/>
           <a:p>
-            <a:r>
-              <a:rPr lang="pt-BR" dirty="0" smtClean="0"/>
-              <a:t>Assíncrona </a:t>
-            </a:r>
-            <a:r>
-              <a:rPr lang="pt-BR" dirty="0" err="1" smtClean="0"/>
-              <a:t>JavaScript</a:t>
-            </a:r>
-            <a:r>
-              <a:rPr lang="pt-BR" dirty="0" smtClean="0"/>
-              <a:t> e XML</a:t>
-            </a:r>
-            <a:endParaRPr lang="pt-BR" dirty="0" smtClean="0"/>
-          </a:p>
-          <a:p>
-            <a:pPr lvl="1">
-              <a:buFont typeface="Courier New" panose="02070309020205020404" pitchFamily="49" charset="0"/>
-              <a:buChar char="o"/>
-            </a:pPr>
-            <a:r>
-              <a:rPr lang="pt-BR" sz="1800" dirty="0" smtClean="0"/>
-              <a:t>É um conjunto de tecnologias de desenvolvimento web.</a:t>
-            </a:r>
-          </a:p>
-          <a:p>
-            <a:pPr lvl="1">
-              <a:buFont typeface="Courier New" panose="02070309020205020404" pitchFamily="49" charset="0"/>
-              <a:buChar char="o"/>
-            </a:pPr>
-            <a:r>
-              <a:rPr lang="pt-BR" sz="1800" dirty="0" smtClean="0"/>
-              <a:t>Facilita muito a programação web, se for utilizado corretamente.</a:t>
-            </a:r>
-          </a:p>
-          <a:p>
-            <a:pPr lvl="1">
-              <a:buFont typeface="Courier New" panose="02070309020205020404" pitchFamily="49" charset="0"/>
-              <a:buChar char="o"/>
-            </a:pPr>
-            <a:r>
-              <a:rPr lang="pt-BR" sz="1800" dirty="0" smtClean="0"/>
-              <a:t>Fornece método para troca de dados de forma assíncrona entre navegador e servidor.</a:t>
-            </a:r>
-            <a:endParaRPr lang="pt-BR" sz="1800" dirty="0" smtClean="0"/>
-          </a:p>
-          <a:p>
-            <a:pPr lvl="1">
-              <a:buFont typeface="Courier New" panose="02070309020205020404" pitchFamily="49" charset="0"/>
-              <a:buChar char="o"/>
-            </a:pPr>
-            <a:endParaRPr lang="pt-BR" sz="1800" dirty="0" smtClean="0"/>
-          </a:p>
-          <a:p>
-            <a:pPr marL="0" indent="0">
-              <a:buNone/>
-            </a:pPr>
-            <a:endParaRPr lang="pt-BR" dirty="0" smtClean="0"/>
-          </a:p>
-          <a:p>
-            <a:r>
-              <a:rPr lang="pt-BR" dirty="0" smtClean="0"/>
-              <a:t>Com Ajax é possível</a:t>
-            </a:r>
-            <a:r>
-              <a:rPr lang="pt-BR" dirty="0"/>
-              <a:t>:</a:t>
-            </a:r>
-            <a:endParaRPr lang="pt-BR" dirty="0" smtClean="0"/>
-          </a:p>
-          <a:p>
-            <a:pPr lvl="1">
-              <a:buFont typeface="Courier New" panose="02070309020205020404" pitchFamily="49" charset="0"/>
-              <a:buChar char="o"/>
-            </a:pPr>
-            <a:r>
-              <a:rPr lang="pt-BR" sz="1800" dirty="0" smtClean="0"/>
-              <a:t>Atualizar uma página web sem recarregar a página</a:t>
-            </a:r>
-            <a:r>
-              <a:rPr lang="pt-BR" sz="1800" dirty="0" smtClean="0"/>
-              <a:t>.</a:t>
-            </a:r>
-          </a:p>
-          <a:p>
-            <a:pPr lvl="1">
-              <a:buFont typeface="Courier New" panose="02070309020205020404" pitchFamily="49" charset="0"/>
-              <a:buChar char="o"/>
-            </a:pPr>
-            <a:r>
-              <a:rPr lang="pt-BR" sz="1800" dirty="0" smtClean="0"/>
-              <a:t>Receber dados de um servidor depois que a página já foi carregada.</a:t>
-            </a:r>
-          </a:p>
-          <a:p>
-            <a:pPr lvl="1">
-              <a:buFont typeface="Courier New" panose="02070309020205020404" pitchFamily="49" charset="0"/>
-              <a:buChar char="o"/>
-            </a:pPr>
-            <a:r>
-              <a:rPr lang="pt-BR" sz="1800" dirty="0" smtClean="0"/>
-              <a:t>Enviar dados ao servidor em segundo plano, ou plano de fundo.</a:t>
-            </a:r>
-            <a:endParaRPr lang="pt-BR" sz="1800" dirty="0" smtClean="0"/>
-          </a:p>
-          <a:p>
-            <a:endParaRPr lang="pt-BR" dirty="0"/>
-          </a:p>
-          <a:p>
-            <a:r>
-              <a:rPr lang="pt-BR" dirty="0" smtClean="0"/>
-              <a:t>Muito utilizado para realizar requisições</a:t>
-            </a:r>
-            <a:r>
-              <a:rPr lang="pt-BR" dirty="0" smtClean="0"/>
-              <a:t>.</a:t>
-            </a:r>
-          </a:p>
-          <a:p>
-            <a:r>
-              <a:rPr lang="pt-BR" dirty="0" smtClean="0"/>
-              <a:t>Foco em atuações dinâmicas.</a:t>
-            </a:r>
-            <a:endParaRPr lang="pt-BR" dirty="0" smtClean="0"/>
-          </a:p>
-          <a:p>
-            <a:endParaRPr lang="pt-BR" dirty="0"/>
-          </a:p>
-          <a:p>
-            <a:pPr marL="0" indent="0">
-              <a:buNone/>
-            </a:pPr>
-            <a:endParaRPr lang="pt-BR" dirty="0" smtClean="0"/>
-          </a:p>
-          <a:p>
-            <a:pPr lvl="1">
-              <a:buFont typeface="Courier New" panose="02070309020205020404" pitchFamily="49" charset="0"/>
-              <a:buChar char="o"/>
-            </a:pPr>
-            <a:endParaRPr lang="pt-BR" dirty="0" smtClean="0"/>
-          </a:p>
-          <a:p>
-            <a:endParaRPr lang="pt-BR" dirty="0"/>
+            <a:endParaRPr lang="pt-BR" sz="2200" dirty="0"/>
+          </a:p>
+          <a:p>
+            <a:endParaRPr lang="pt-BR" sz="2200" dirty="0"/>
           </a:p>
         </p:txBody>
       </p:sp>
@@ -14148,7 +14110,7 @@
       </p:pic>
       <p:sp>
         <p:nvSpPr>
-          <p:cNvPr id="8" name="CaixaDeTexto 7"/>
+          <p:cNvPr id="10" name="CaixaDeTexto 9"/>
           <p:cNvSpPr txBox="1"/>
           <p:nvPr/>
         </p:nvSpPr>
@@ -14171,46 +14133,1028 @@
             <a:pPr algn="ctr"/>
             <a:r>
               <a:rPr lang="pt-BR" dirty="0" smtClean="0"/>
-              <a:t>16</a:t>
+              <a:t>34</a:t>
             </a:r>
             <a:endParaRPr lang="pt-BR" dirty="0"/>
           </a:p>
         </p:txBody>
       </p:sp>
-      <p:pic>
-        <p:nvPicPr>
-          <p:cNvPr id="4" name="Imagem 3"/>
-          <p:cNvPicPr>
-            <a:picLocks noChangeAspect="1"/>
-          </p:cNvPicPr>
-          <p:nvPr/>
-        </p:nvPicPr>
-        <p:blipFill>
-          <a:blip r:embed="rId5" cstate="print">
-            <a:extLst>
-              <a:ext uri="{28A0092B-C50C-407E-A947-70E740481C1C}">
-                <a14:useLocalDpi xmlns:a14="http://schemas.microsoft.com/office/drawing/2010/main" val="0"/>
-              </a:ext>
-            </a:extLst>
-          </a:blip>
-          <a:stretch>
-            <a:fillRect/>
-          </a:stretch>
-        </p:blipFill>
-        <p:spPr>
-          <a:xfrm>
-            <a:off x="7906287" y="4059282"/>
-            <a:ext cx="3620304" cy="1737746"/>
-          </a:xfrm>
-          <a:prstGeom prst="rect">
-            <a:avLst/>
-          </a:prstGeom>
-        </p:spPr>
-      </p:pic>
+      <p:sp>
+        <p:nvSpPr>
+          <p:cNvPr id="6" name="Pizza 5"/>
+          <p:cNvSpPr/>
+          <p:nvPr/>
+        </p:nvSpPr>
+        <p:spPr>
+          <a:xfrm rot="3063928">
+            <a:off x="2756079" y="3065172"/>
+            <a:ext cx="1738648" cy="1661374"/>
+          </a:xfrm>
+          <a:prstGeom prst="pie">
+            <a:avLst/>
+          </a:prstGeom>
+          <a:solidFill>
+            <a:srgbClr val="FFFF00"/>
+          </a:solidFill>
+          <a:ln>
+            <a:solidFill>
+              <a:schemeClr val="tx1"/>
+            </a:solidFill>
+          </a:ln>
+        </p:spPr>
+        <p:style>
+          <a:lnRef idx="2">
+            <a:schemeClr val="accent1">
+              <a:shade val="50000"/>
+            </a:schemeClr>
+          </a:lnRef>
+          <a:fillRef idx="1">
+            <a:schemeClr val="accent1"/>
+          </a:fillRef>
+          <a:effectRef idx="0">
+            <a:schemeClr val="accent1"/>
+          </a:effectRef>
+          <a:fontRef idx="minor">
+            <a:schemeClr val="lt1"/>
+          </a:fontRef>
+        </p:style>
+        <p:txBody>
+          <a:bodyPr rtlCol="0" anchor="ctr"/>
+          <a:lstStyle/>
+          <a:p>
+            <a:pPr algn="ctr"/>
+            <a:endParaRPr lang="pt-BR">
+              <a:solidFill>
+                <a:schemeClr val="tx1"/>
+              </a:solidFill>
+            </a:endParaRPr>
+          </a:p>
+        </p:txBody>
+      </p:sp>
+      <p:sp>
+        <p:nvSpPr>
+          <p:cNvPr id="8" name="Fluxograma: Conector 7"/>
+          <p:cNvSpPr/>
+          <p:nvPr/>
+        </p:nvSpPr>
+        <p:spPr>
+          <a:xfrm>
+            <a:off x="3412901" y="3348507"/>
+            <a:ext cx="257578" cy="257578"/>
+          </a:xfrm>
+          <a:prstGeom prst="flowChartConnector">
+            <a:avLst/>
+          </a:prstGeom>
+          <a:solidFill>
+            <a:schemeClr val="tx1"/>
+          </a:solidFill>
+          <a:ln>
+            <a:solidFill>
+              <a:schemeClr val="tx1"/>
+            </a:solidFill>
+          </a:ln>
+        </p:spPr>
+        <p:style>
+          <a:lnRef idx="2">
+            <a:schemeClr val="accent1">
+              <a:shade val="50000"/>
+            </a:schemeClr>
+          </a:lnRef>
+          <a:fillRef idx="1">
+            <a:schemeClr val="accent1"/>
+          </a:fillRef>
+          <a:effectRef idx="0">
+            <a:schemeClr val="accent1"/>
+          </a:effectRef>
+          <a:fontRef idx="minor">
+            <a:schemeClr val="lt1"/>
+          </a:fontRef>
+        </p:style>
+        <p:txBody>
+          <a:bodyPr rtlCol="0" anchor="ctr"/>
+          <a:lstStyle/>
+          <a:p>
+            <a:pPr algn="ctr"/>
+            <a:endParaRPr lang="pt-BR"/>
+          </a:p>
+        </p:txBody>
+      </p:sp>
+      <p:sp>
+        <p:nvSpPr>
+          <p:cNvPr id="11" name="Fluxograma: Conector 10"/>
+          <p:cNvSpPr/>
+          <p:nvPr/>
+        </p:nvSpPr>
+        <p:spPr>
+          <a:xfrm>
+            <a:off x="4377846" y="3817019"/>
+            <a:ext cx="257578" cy="257578"/>
+          </a:xfrm>
+          <a:prstGeom prst="flowChartConnector">
+            <a:avLst/>
+          </a:prstGeom>
+          <a:solidFill>
+            <a:srgbClr val="FFFF00"/>
+          </a:solidFill>
+          <a:ln>
+            <a:solidFill>
+              <a:schemeClr val="tx1"/>
+            </a:solidFill>
+          </a:ln>
+        </p:spPr>
+        <p:style>
+          <a:lnRef idx="2">
+            <a:schemeClr val="accent1">
+              <a:shade val="50000"/>
+            </a:schemeClr>
+          </a:lnRef>
+          <a:fillRef idx="1">
+            <a:schemeClr val="accent1"/>
+          </a:fillRef>
+          <a:effectRef idx="0">
+            <a:schemeClr val="accent1"/>
+          </a:effectRef>
+          <a:fontRef idx="minor">
+            <a:schemeClr val="lt1"/>
+          </a:fontRef>
+        </p:style>
+        <p:txBody>
+          <a:bodyPr rtlCol="0" anchor="ctr"/>
+          <a:lstStyle/>
+          <a:p>
+            <a:pPr algn="ctr"/>
+            <a:endParaRPr lang="pt-BR"/>
+          </a:p>
+        </p:txBody>
+      </p:sp>
+      <p:sp>
+        <p:nvSpPr>
+          <p:cNvPr id="12" name="Fluxograma: Conector 11"/>
+          <p:cNvSpPr/>
+          <p:nvPr/>
+        </p:nvSpPr>
+        <p:spPr>
+          <a:xfrm>
+            <a:off x="4878324" y="3817019"/>
+            <a:ext cx="257578" cy="257578"/>
+          </a:xfrm>
+          <a:prstGeom prst="flowChartConnector">
+            <a:avLst/>
+          </a:prstGeom>
+          <a:solidFill>
+            <a:srgbClr val="FFFF00"/>
+          </a:solidFill>
+          <a:ln>
+            <a:solidFill>
+              <a:schemeClr val="tx1"/>
+            </a:solidFill>
+          </a:ln>
+        </p:spPr>
+        <p:style>
+          <a:lnRef idx="2">
+            <a:schemeClr val="accent1">
+              <a:shade val="50000"/>
+            </a:schemeClr>
+          </a:lnRef>
+          <a:fillRef idx="1">
+            <a:schemeClr val="accent1"/>
+          </a:fillRef>
+          <a:effectRef idx="0">
+            <a:schemeClr val="accent1"/>
+          </a:effectRef>
+          <a:fontRef idx="minor">
+            <a:schemeClr val="lt1"/>
+          </a:fontRef>
+        </p:style>
+        <p:txBody>
+          <a:bodyPr rtlCol="0" anchor="ctr"/>
+          <a:lstStyle/>
+          <a:p>
+            <a:pPr algn="ctr"/>
+            <a:endParaRPr lang="pt-BR"/>
+          </a:p>
+        </p:txBody>
+      </p:sp>
+      <p:sp>
+        <p:nvSpPr>
+          <p:cNvPr id="13" name="Fluxograma: Conector 12"/>
+          <p:cNvSpPr/>
+          <p:nvPr/>
+        </p:nvSpPr>
+        <p:spPr>
+          <a:xfrm>
+            <a:off x="5405217" y="3817019"/>
+            <a:ext cx="257578" cy="257578"/>
+          </a:xfrm>
+          <a:prstGeom prst="flowChartConnector">
+            <a:avLst/>
+          </a:prstGeom>
+          <a:solidFill>
+            <a:srgbClr val="FFFF00"/>
+          </a:solidFill>
+          <a:ln>
+            <a:solidFill>
+              <a:schemeClr val="tx1"/>
+            </a:solidFill>
+          </a:ln>
+        </p:spPr>
+        <p:style>
+          <a:lnRef idx="2">
+            <a:schemeClr val="accent1">
+              <a:shade val="50000"/>
+            </a:schemeClr>
+          </a:lnRef>
+          <a:fillRef idx="1">
+            <a:schemeClr val="accent1"/>
+          </a:fillRef>
+          <a:effectRef idx="0">
+            <a:schemeClr val="accent1"/>
+          </a:effectRef>
+          <a:fontRef idx="minor">
+            <a:schemeClr val="lt1"/>
+          </a:fontRef>
+        </p:style>
+        <p:txBody>
+          <a:bodyPr rtlCol="0" anchor="ctr"/>
+          <a:lstStyle/>
+          <a:p>
+            <a:pPr algn="ctr"/>
+            <a:endParaRPr lang="pt-BR"/>
+          </a:p>
+        </p:txBody>
+      </p:sp>
+      <p:sp>
+        <p:nvSpPr>
+          <p:cNvPr id="14" name="Fluxograma: Conector 13"/>
+          <p:cNvSpPr/>
+          <p:nvPr/>
+        </p:nvSpPr>
+        <p:spPr>
+          <a:xfrm>
+            <a:off x="5932110" y="3821022"/>
+            <a:ext cx="257578" cy="257578"/>
+          </a:xfrm>
+          <a:prstGeom prst="flowChartConnector">
+            <a:avLst/>
+          </a:prstGeom>
+          <a:solidFill>
+            <a:srgbClr val="FFFF00"/>
+          </a:solidFill>
+          <a:ln>
+            <a:solidFill>
+              <a:schemeClr val="tx1"/>
+            </a:solidFill>
+          </a:ln>
+        </p:spPr>
+        <p:style>
+          <a:lnRef idx="2">
+            <a:schemeClr val="accent1">
+              <a:shade val="50000"/>
+            </a:schemeClr>
+          </a:lnRef>
+          <a:fillRef idx="1">
+            <a:schemeClr val="accent1"/>
+          </a:fillRef>
+          <a:effectRef idx="0">
+            <a:schemeClr val="accent1"/>
+          </a:effectRef>
+          <a:fontRef idx="minor">
+            <a:schemeClr val="lt1"/>
+          </a:fontRef>
+        </p:style>
+        <p:txBody>
+          <a:bodyPr rtlCol="0" anchor="ctr"/>
+          <a:lstStyle/>
+          <a:p>
+            <a:pPr algn="ctr"/>
+            <a:endParaRPr lang="pt-BR"/>
+          </a:p>
+        </p:txBody>
+      </p:sp>
+      <p:sp>
+        <p:nvSpPr>
+          <p:cNvPr id="15" name="Fluxograma: Conector 14"/>
+          <p:cNvSpPr/>
+          <p:nvPr/>
+        </p:nvSpPr>
+        <p:spPr>
+          <a:xfrm>
+            <a:off x="6459003" y="3813016"/>
+            <a:ext cx="257578" cy="257578"/>
+          </a:xfrm>
+          <a:prstGeom prst="flowChartConnector">
+            <a:avLst/>
+          </a:prstGeom>
+          <a:solidFill>
+            <a:srgbClr val="FFFF00"/>
+          </a:solidFill>
+          <a:ln>
+            <a:solidFill>
+              <a:schemeClr val="tx1"/>
+            </a:solidFill>
+          </a:ln>
+        </p:spPr>
+        <p:style>
+          <a:lnRef idx="2">
+            <a:schemeClr val="accent1">
+              <a:shade val="50000"/>
+            </a:schemeClr>
+          </a:lnRef>
+          <a:fillRef idx="1">
+            <a:schemeClr val="accent1"/>
+          </a:fillRef>
+          <a:effectRef idx="0">
+            <a:schemeClr val="accent1"/>
+          </a:effectRef>
+          <a:fontRef idx="minor">
+            <a:schemeClr val="lt1"/>
+          </a:fontRef>
+        </p:style>
+        <p:txBody>
+          <a:bodyPr rtlCol="0" anchor="ctr"/>
+          <a:lstStyle/>
+          <a:p>
+            <a:pPr algn="ctr"/>
+            <a:endParaRPr lang="pt-BR"/>
+          </a:p>
+        </p:txBody>
+      </p:sp>
+      <p:sp>
+        <p:nvSpPr>
+          <p:cNvPr id="16" name="Fluxograma: Conector 15"/>
+          <p:cNvSpPr/>
+          <p:nvPr/>
+        </p:nvSpPr>
+        <p:spPr>
+          <a:xfrm>
+            <a:off x="6959481" y="3813016"/>
+            <a:ext cx="257578" cy="257578"/>
+          </a:xfrm>
+          <a:prstGeom prst="flowChartConnector">
+            <a:avLst/>
+          </a:prstGeom>
+          <a:solidFill>
+            <a:srgbClr val="FFFF00"/>
+          </a:solidFill>
+          <a:ln>
+            <a:solidFill>
+              <a:schemeClr val="tx1"/>
+            </a:solidFill>
+          </a:ln>
+        </p:spPr>
+        <p:style>
+          <a:lnRef idx="2">
+            <a:schemeClr val="accent1">
+              <a:shade val="50000"/>
+            </a:schemeClr>
+          </a:lnRef>
+          <a:fillRef idx="1">
+            <a:schemeClr val="accent1"/>
+          </a:fillRef>
+          <a:effectRef idx="0">
+            <a:schemeClr val="accent1"/>
+          </a:effectRef>
+          <a:fontRef idx="minor">
+            <a:schemeClr val="lt1"/>
+          </a:fontRef>
+        </p:style>
+        <p:txBody>
+          <a:bodyPr rtlCol="0" anchor="ctr"/>
+          <a:lstStyle/>
+          <a:p>
+            <a:pPr algn="ctr"/>
+            <a:endParaRPr lang="pt-BR"/>
+          </a:p>
+        </p:txBody>
+      </p:sp>
+      <p:sp>
+        <p:nvSpPr>
+          <p:cNvPr id="17" name="Fluxograma: Conector 16"/>
+          <p:cNvSpPr/>
+          <p:nvPr/>
+        </p:nvSpPr>
+        <p:spPr>
+          <a:xfrm>
+            <a:off x="7486374" y="3813016"/>
+            <a:ext cx="257578" cy="257578"/>
+          </a:xfrm>
+          <a:prstGeom prst="flowChartConnector">
+            <a:avLst/>
+          </a:prstGeom>
+          <a:solidFill>
+            <a:srgbClr val="FFFF00"/>
+          </a:solidFill>
+          <a:ln>
+            <a:solidFill>
+              <a:schemeClr val="tx1"/>
+            </a:solidFill>
+          </a:ln>
+        </p:spPr>
+        <p:style>
+          <a:lnRef idx="2">
+            <a:schemeClr val="accent1">
+              <a:shade val="50000"/>
+            </a:schemeClr>
+          </a:lnRef>
+          <a:fillRef idx="1">
+            <a:schemeClr val="accent1"/>
+          </a:fillRef>
+          <a:effectRef idx="0">
+            <a:schemeClr val="accent1"/>
+          </a:effectRef>
+          <a:fontRef idx="minor">
+            <a:schemeClr val="lt1"/>
+          </a:fontRef>
+        </p:style>
+        <p:txBody>
+          <a:bodyPr rtlCol="0" anchor="ctr"/>
+          <a:lstStyle/>
+          <a:p>
+            <a:pPr algn="ctr"/>
+            <a:endParaRPr lang="pt-BR"/>
+          </a:p>
+        </p:txBody>
+      </p:sp>
+      <p:sp>
+        <p:nvSpPr>
+          <p:cNvPr id="18" name="Fluxograma: Conector 17"/>
+          <p:cNvSpPr/>
+          <p:nvPr/>
+        </p:nvSpPr>
+        <p:spPr>
+          <a:xfrm>
+            <a:off x="8013267" y="3817019"/>
+            <a:ext cx="257578" cy="257578"/>
+          </a:xfrm>
+          <a:prstGeom prst="flowChartConnector">
+            <a:avLst/>
+          </a:prstGeom>
+          <a:solidFill>
+            <a:srgbClr val="FFFF00"/>
+          </a:solidFill>
+          <a:ln>
+            <a:solidFill>
+              <a:schemeClr val="tx1"/>
+            </a:solidFill>
+          </a:ln>
+        </p:spPr>
+        <p:style>
+          <a:lnRef idx="2">
+            <a:schemeClr val="accent1">
+              <a:shade val="50000"/>
+            </a:schemeClr>
+          </a:lnRef>
+          <a:fillRef idx="1">
+            <a:schemeClr val="accent1"/>
+          </a:fillRef>
+          <a:effectRef idx="0">
+            <a:schemeClr val="accent1"/>
+          </a:effectRef>
+          <a:fontRef idx="minor">
+            <a:schemeClr val="lt1"/>
+          </a:fontRef>
+        </p:style>
+        <p:txBody>
+          <a:bodyPr rtlCol="0" anchor="ctr"/>
+          <a:lstStyle/>
+          <a:p>
+            <a:pPr algn="ctr"/>
+            <a:endParaRPr lang="pt-BR"/>
+          </a:p>
+        </p:txBody>
+      </p:sp>
+      <p:sp>
+        <p:nvSpPr>
+          <p:cNvPr id="19" name="Fluxograma: Conector 18"/>
+          <p:cNvSpPr/>
+          <p:nvPr/>
+        </p:nvSpPr>
+        <p:spPr>
+          <a:xfrm>
+            <a:off x="8535110" y="3838741"/>
+            <a:ext cx="257578" cy="257578"/>
+          </a:xfrm>
+          <a:prstGeom prst="flowChartConnector">
+            <a:avLst/>
+          </a:prstGeom>
+          <a:solidFill>
+            <a:srgbClr val="FFFF00"/>
+          </a:solidFill>
+          <a:ln>
+            <a:solidFill>
+              <a:schemeClr val="tx1"/>
+            </a:solidFill>
+          </a:ln>
+        </p:spPr>
+        <p:style>
+          <a:lnRef idx="2">
+            <a:schemeClr val="accent1">
+              <a:shade val="50000"/>
+            </a:schemeClr>
+          </a:lnRef>
+          <a:fillRef idx="1">
+            <a:schemeClr val="accent1"/>
+          </a:fillRef>
+          <a:effectRef idx="0">
+            <a:schemeClr val="accent1"/>
+          </a:effectRef>
+          <a:fontRef idx="minor">
+            <a:schemeClr val="lt1"/>
+          </a:fontRef>
+        </p:style>
+        <p:txBody>
+          <a:bodyPr rtlCol="0" anchor="ctr"/>
+          <a:lstStyle/>
+          <a:p>
+            <a:pPr algn="ctr"/>
+            <a:endParaRPr lang="pt-BR"/>
+          </a:p>
+        </p:txBody>
+      </p:sp>
+      <p:sp>
+        <p:nvSpPr>
+          <p:cNvPr id="20" name="Fluxograma: Conector 19"/>
+          <p:cNvSpPr/>
+          <p:nvPr/>
+        </p:nvSpPr>
+        <p:spPr>
+          <a:xfrm>
+            <a:off x="9035588" y="3838741"/>
+            <a:ext cx="257578" cy="257578"/>
+          </a:xfrm>
+          <a:prstGeom prst="flowChartConnector">
+            <a:avLst/>
+          </a:prstGeom>
+          <a:solidFill>
+            <a:srgbClr val="FFFF00"/>
+          </a:solidFill>
+          <a:ln>
+            <a:solidFill>
+              <a:schemeClr val="tx1"/>
+            </a:solidFill>
+          </a:ln>
+        </p:spPr>
+        <p:style>
+          <a:lnRef idx="2">
+            <a:schemeClr val="accent1">
+              <a:shade val="50000"/>
+            </a:schemeClr>
+          </a:lnRef>
+          <a:fillRef idx="1">
+            <a:schemeClr val="accent1"/>
+          </a:fillRef>
+          <a:effectRef idx="0">
+            <a:schemeClr val="accent1"/>
+          </a:effectRef>
+          <a:fontRef idx="minor">
+            <a:schemeClr val="lt1"/>
+          </a:fontRef>
+        </p:style>
+        <p:txBody>
+          <a:bodyPr rtlCol="0" anchor="ctr"/>
+          <a:lstStyle/>
+          <a:p>
+            <a:pPr algn="ctr"/>
+            <a:endParaRPr lang="pt-BR"/>
+          </a:p>
+        </p:txBody>
+      </p:sp>
+      <p:sp>
+        <p:nvSpPr>
+          <p:cNvPr id="21" name="Fluxograma: Conector 20"/>
+          <p:cNvSpPr/>
+          <p:nvPr/>
+        </p:nvSpPr>
+        <p:spPr>
+          <a:xfrm>
+            <a:off x="9562481" y="3838741"/>
+            <a:ext cx="257578" cy="257578"/>
+          </a:xfrm>
+          <a:prstGeom prst="flowChartConnector">
+            <a:avLst/>
+          </a:prstGeom>
+          <a:solidFill>
+            <a:srgbClr val="FFFF00"/>
+          </a:solidFill>
+          <a:ln>
+            <a:solidFill>
+              <a:schemeClr val="tx1"/>
+            </a:solidFill>
+          </a:ln>
+        </p:spPr>
+        <p:style>
+          <a:lnRef idx="2">
+            <a:schemeClr val="accent1">
+              <a:shade val="50000"/>
+            </a:schemeClr>
+          </a:lnRef>
+          <a:fillRef idx="1">
+            <a:schemeClr val="accent1"/>
+          </a:fillRef>
+          <a:effectRef idx="0">
+            <a:schemeClr val="accent1"/>
+          </a:effectRef>
+          <a:fontRef idx="minor">
+            <a:schemeClr val="lt1"/>
+          </a:fontRef>
+        </p:style>
+        <p:txBody>
+          <a:bodyPr rtlCol="0" anchor="ctr"/>
+          <a:lstStyle/>
+          <a:p>
+            <a:pPr algn="ctr"/>
+            <a:endParaRPr lang="pt-BR"/>
+          </a:p>
+        </p:txBody>
+      </p:sp>
+      <p:sp>
+        <p:nvSpPr>
+          <p:cNvPr id="22" name="Fluxograma: Conector 21"/>
+          <p:cNvSpPr/>
+          <p:nvPr/>
+        </p:nvSpPr>
+        <p:spPr>
+          <a:xfrm>
+            <a:off x="10089374" y="3842744"/>
+            <a:ext cx="257578" cy="257578"/>
+          </a:xfrm>
+          <a:prstGeom prst="flowChartConnector">
+            <a:avLst/>
+          </a:prstGeom>
+          <a:solidFill>
+            <a:srgbClr val="FFFF00"/>
+          </a:solidFill>
+          <a:ln>
+            <a:solidFill>
+              <a:schemeClr val="tx1"/>
+            </a:solidFill>
+          </a:ln>
+        </p:spPr>
+        <p:style>
+          <a:lnRef idx="2">
+            <a:schemeClr val="accent1">
+              <a:shade val="50000"/>
+            </a:schemeClr>
+          </a:lnRef>
+          <a:fillRef idx="1">
+            <a:schemeClr val="accent1"/>
+          </a:fillRef>
+          <a:effectRef idx="0">
+            <a:schemeClr val="accent1"/>
+          </a:effectRef>
+          <a:fontRef idx="minor">
+            <a:schemeClr val="lt1"/>
+          </a:fontRef>
+        </p:style>
+        <p:txBody>
+          <a:bodyPr rtlCol="0" anchor="ctr"/>
+          <a:lstStyle/>
+          <a:p>
+            <a:pPr algn="ctr"/>
+            <a:endParaRPr lang="pt-BR"/>
+          </a:p>
+        </p:txBody>
+      </p:sp>
+      <p:sp>
+        <p:nvSpPr>
+          <p:cNvPr id="23" name="Fluxograma: Conector 22"/>
+          <p:cNvSpPr/>
+          <p:nvPr/>
+        </p:nvSpPr>
+        <p:spPr>
+          <a:xfrm>
+            <a:off x="10646564" y="3838741"/>
+            <a:ext cx="257578" cy="257578"/>
+          </a:xfrm>
+          <a:prstGeom prst="flowChartConnector">
+            <a:avLst/>
+          </a:prstGeom>
+          <a:solidFill>
+            <a:srgbClr val="FFFF00"/>
+          </a:solidFill>
+          <a:ln>
+            <a:solidFill>
+              <a:schemeClr val="tx1"/>
+            </a:solidFill>
+          </a:ln>
+        </p:spPr>
+        <p:style>
+          <a:lnRef idx="2">
+            <a:schemeClr val="accent1">
+              <a:shade val="50000"/>
+            </a:schemeClr>
+          </a:lnRef>
+          <a:fillRef idx="1">
+            <a:schemeClr val="accent1"/>
+          </a:fillRef>
+          <a:effectRef idx="0">
+            <a:schemeClr val="accent1"/>
+          </a:effectRef>
+          <a:fontRef idx="minor">
+            <a:schemeClr val="lt1"/>
+          </a:fontRef>
+        </p:style>
+        <p:txBody>
+          <a:bodyPr rtlCol="0" anchor="ctr"/>
+          <a:lstStyle/>
+          <a:p>
+            <a:pPr algn="ctr"/>
+            <a:endParaRPr lang="pt-BR"/>
+          </a:p>
+        </p:txBody>
+      </p:sp>
+      <p:sp>
+        <p:nvSpPr>
+          <p:cNvPr id="24" name="Fluxograma: Conector 23"/>
+          <p:cNvSpPr/>
+          <p:nvPr/>
+        </p:nvSpPr>
+        <p:spPr>
+          <a:xfrm>
+            <a:off x="11147042" y="3838741"/>
+            <a:ext cx="257578" cy="257578"/>
+          </a:xfrm>
+          <a:prstGeom prst="flowChartConnector">
+            <a:avLst/>
+          </a:prstGeom>
+          <a:solidFill>
+            <a:srgbClr val="FFFF00"/>
+          </a:solidFill>
+          <a:ln>
+            <a:solidFill>
+              <a:schemeClr val="tx1"/>
+            </a:solidFill>
+          </a:ln>
+        </p:spPr>
+        <p:style>
+          <a:lnRef idx="2">
+            <a:schemeClr val="accent1">
+              <a:shade val="50000"/>
+            </a:schemeClr>
+          </a:lnRef>
+          <a:fillRef idx="1">
+            <a:schemeClr val="accent1"/>
+          </a:fillRef>
+          <a:effectRef idx="0">
+            <a:schemeClr val="accent1"/>
+          </a:effectRef>
+          <a:fontRef idx="minor">
+            <a:schemeClr val="lt1"/>
+          </a:fontRef>
+        </p:style>
+        <p:txBody>
+          <a:bodyPr rtlCol="0" anchor="ctr"/>
+          <a:lstStyle/>
+          <a:p>
+            <a:pPr algn="ctr"/>
+            <a:endParaRPr lang="pt-BR"/>
+          </a:p>
+        </p:txBody>
+      </p:sp>
+      <p:sp>
+        <p:nvSpPr>
+          <p:cNvPr id="25" name="Fluxograma: Conector 24"/>
+          <p:cNvSpPr/>
+          <p:nvPr/>
+        </p:nvSpPr>
+        <p:spPr>
+          <a:xfrm>
+            <a:off x="11673935" y="3838741"/>
+            <a:ext cx="257578" cy="257578"/>
+          </a:xfrm>
+          <a:prstGeom prst="flowChartConnector">
+            <a:avLst/>
+          </a:prstGeom>
+          <a:solidFill>
+            <a:srgbClr val="FFFF00"/>
+          </a:solidFill>
+          <a:ln>
+            <a:solidFill>
+              <a:schemeClr val="tx1"/>
+            </a:solidFill>
+          </a:ln>
+        </p:spPr>
+        <p:style>
+          <a:lnRef idx="2">
+            <a:schemeClr val="accent1">
+              <a:shade val="50000"/>
+            </a:schemeClr>
+          </a:lnRef>
+          <a:fillRef idx="1">
+            <a:schemeClr val="accent1"/>
+          </a:fillRef>
+          <a:effectRef idx="0">
+            <a:schemeClr val="accent1"/>
+          </a:effectRef>
+          <a:fontRef idx="minor">
+            <a:schemeClr val="lt1"/>
+          </a:fontRef>
+        </p:style>
+        <p:txBody>
+          <a:bodyPr rtlCol="0" anchor="ctr"/>
+          <a:lstStyle/>
+          <a:p>
+            <a:pPr algn="ctr"/>
+            <a:endParaRPr lang="pt-BR"/>
+          </a:p>
+        </p:txBody>
+      </p:sp>
+      <p:sp>
+        <p:nvSpPr>
+          <p:cNvPr id="26" name="Fluxograma: Conector 25"/>
+          <p:cNvSpPr/>
+          <p:nvPr/>
+        </p:nvSpPr>
+        <p:spPr>
+          <a:xfrm>
+            <a:off x="11673935" y="4396536"/>
+            <a:ext cx="257578" cy="257578"/>
+          </a:xfrm>
+          <a:prstGeom prst="flowChartConnector">
+            <a:avLst/>
+          </a:prstGeom>
+          <a:solidFill>
+            <a:srgbClr val="FFFF00"/>
+          </a:solidFill>
+          <a:ln>
+            <a:solidFill>
+              <a:schemeClr val="tx1"/>
+            </a:solidFill>
+          </a:ln>
+        </p:spPr>
+        <p:style>
+          <a:lnRef idx="2">
+            <a:schemeClr val="accent1">
+              <a:shade val="50000"/>
+            </a:schemeClr>
+          </a:lnRef>
+          <a:fillRef idx="1">
+            <a:schemeClr val="accent1"/>
+          </a:fillRef>
+          <a:effectRef idx="0">
+            <a:schemeClr val="accent1"/>
+          </a:effectRef>
+          <a:fontRef idx="minor">
+            <a:schemeClr val="lt1"/>
+          </a:fontRef>
+        </p:style>
+        <p:txBody>
+          <a:bodyPr rtlCol="0" anchor="ctr"/>
+          <a:lstStyle/>
+          <a:p>
+            <a:pPr algn="ctr"/>
+            <a:endParaRPr lang="pt-BR"/>
+          </a:p>
+        </p:txBody>
+      </p:sp>
+      <p:sp>
+        <p:nvSpPr>
+          <p:cNvPr id="27" name="Fluxograma: Conector 26"/>
+          <p:cNvSpPr/>
+          <p:nvPr/>
+        </p:nvSpPr>
+        <p:spPr>
+          <a:xfrm>
+            <a:off x="11678727" y="4915107"/>
+            <a:ext cx="257578" cy="257578"/>
+          </a:xfrm>
+          <a:prstGeom prst="flowChartConnector">
+            <a:avLst/>
+          </a:prstGeom>
+          <a:solidFill>
+            <a:srgbClr val="FFFF00"/>
+          </a:solidFill>
+          <a:ln>
+            <a:solidFill>
+              <a:schemeClr val="tx1"/>
+            </a:solidFill>
+          </a:ln>
+        </p:spPr>
+        <p:style>
+          <a:lnRef idx="2">
+            <a:schemeClr val="accent1">
+              <a:shade val="50000"/>
+            </a:schemeClr>
+          </a:lnRef>
+          <a:fillRef idx="1">
+            <a:schemeClr val="accent1"/>
+          </a:fillRef>
+          <a:effectRef idx="0">
+            <a:schemeClr val="accent1"/>
+          </a:effectRef>
+          <a:fontRef idx="minor">
+            <a:schemeClr val="lt1"/>
+          </a:fontRef>
+        </p:style>
+        <p:txBody>
+          <a:bodyPr rtlCol="0" anchor="ctr"/>
+          <a:lstStyle/>
+          <a:p>
+            <a:pPr algn="ctr"/>
+            <a:endParaRPr lang="pt-BR"/>
+          </a:p>
+        </p:txBody>
+      </p:sp>
+      <p:sp>
+        <p:nvSpPr>
+          <p:cNvPr id="28" name="Fluxograma: Conector 27"/>
+          <p:cNvSpPr/>
+          <p:nvPr/>
+        </p:nvSpPr>
+        <p:spPr>
+          <a:xfrm>
+            <a:off x="11673935" y="5472812"/>
+            <a:ext cx="257578" cy="257578"/>
+          </a:xfrm>
+          <a:prstGeom prst="flowChartConnector">
+            <a:avLst/>
+          </a:prstGeom>
+          <a:solidFill>
+            <a:srgbClr val="FFFF00"/>
+          </a:solidFill>
+          <a:ln>
+            <a:solidFill>
+              <a:schemeClr val="tx1"/>
+            </a:solidFill>
+          </a:ln>
+        </p:spPr>
+        <p:style>
+          <a:lnRef idx="2">
+            <a:schemeClr val="accent1">
+              <a:shade val="50000"/>
+            </a:schemeClr>
+          </a:lnRef>
+          <a:fillRef idx="1">
+            <a:schemeClr val="accent1"/>
+          </a:fillRef>
+          <a:effectRef idx="0">
+            <a:schemeClr val="accent1"/>
+          </a:effectRef>
+          <a:fontRef idx="minor">
+            <a:schemeClr val="lt1"/>
+          </a:fontRef>
+        </p:style>
+        <p:txBody>
+          <a:bodyPr rtlCol="0" anchor="ctr"/>
+          <a:lstStyle/>
+          <a:p>
+            <a:pPr algn="ctr"/>
+            <a:endParaRPr lang="pt-BR"/>
+          </a:p>
+        </p:txBody>
+      </p:sp>
+      <p:sp>
+        <p:nvSpPr>
+          <p:cNvPr id="34" name="Fluxograma: Conector 33"/>
+          <p:cNvSpPr/>
+          <p:nvPr/>
+        </p:nvSpPr>
+        <p:spPr>
+          <a:xfrm>
+            <a:off x="11673935" y="5989429"/>
+            <a:ext cx="257578" cy="257578"/>
+          </a:xfrm>
+          <a:prstGeom prst="flowChartConnector">
+            <a:avLst/>
+          </a:prstGeom>
+          <a:solidFill>
+            <a:srgbClr val="FFFF00"/>
+          </a:solidFill>
+          <a:ln>
+            <a:solidFill>
+              <a:schemeClr val="tx1"/>
+            </a:solidFill>
+          </a:ln>
+        </p:spPr>
+        <p:style>
+          <a:lnRef idx="2">
+            <a:schemeClr val="accent1">
+              <a:shade val="50000"/>
+            </a:schemeClr>
+          </a:lnRef>
+          <a:fillRef idx="1">
+            <a:schemeClr val="accent1"/>
+          </a:fillRef>
+          <a:effectRef idx="0">
+            <a:schemeClr val="accent1"/>
+          </a:effectRef>
+          <a:fontRef idx="minor">
+            <a:schemeClr val="lt1"/>
+          </a:fontRef>
+        </p:style>
+        <p:txBody>
+          <a:bodyPr rtlCol="0" anchor="ctr"/>
+          <a:lstStyle/>
+          <a:p>
+            <a:pPr algn="ctr"/>
+            <a:endParaRPr lang="pt-BR"/>
+          </a:p>
+        </p:txBody>
+      </p:sp>
     </p:spTree>
     <p:extLst>
       <p:ext uri="{BB962C8B-B14F-4D97-AF65-F5344CB8AC3E}">
-        <p14:creationId xmlns:p14="http://schemas.microsoft.com/office/powerpoint/2010/main" val="1705065099"/>
+        <p14:creationId xmlns:p14="http://schemas.microsoft.com/office/powerpoint/2010/main" val="2668113434"/>
       </p:ext>
     </p:extLst>
   </p:cSld>
@@ -14266,7 +15210,7 @@
           <a:p>
             <a:r>
               <a:rPr lang="pt-BR" dirty="0" smtClean="0"/>
-              <a:t>Ajax</a:t>
+              <a:t>Referências</a:t>
             </a:r>
             <a:endParaRPr lang="pt-BR" dirty="0"/>
           </a:p>
@@ -14290,91 +15234,140 @@
         </p:spPr>
         <p:txBody>
           <a:bodyPr>
-            <a:normAutofit/>
+            <a:normAutofit fontScale="55000" lnSpcReduction="20000"/>
           </a:bodyPr>
           <a:lstStyle/>
           <a:p>
             <a:r>
-              <a:rPr lang="pt-BR" dirty="0" err="1" smtClean="0"/>
-              <a:t>JQuery</a:t>
+              <a:rPr lang="pt-BR" dirty="0">
+                <a:hlinkClick r:id="rId2"/>
+              </a:rPr>
+              <a:t>http://</a:t>
+            </a:r>
+            <a:r>
+              <a:rPr lang="pt-BR" dirty="0" smtClean="0">
+                <a:hlinkClick r:id="rId2"/>
+              </a:rPr>
+              <a:t>pt.stackoverflow.com/questions/52450/full-stack-web-developer</a:t>
             </a:r>
             <a:endParaRPr lang="pt-BR" dirty="0" smtClean="0"/>
           </a:p>
           <a:p>
-            <a:pPr lvl="1">
-              <a:buFont typeface="Courier New" panose="02070309020205020404" pitchFamily="49" charset="0"/>
-              <a:buChar char="o"/>
-            </a:pPr>
-            <a:r>
-              <a:rPr lang="pt-BR" sz="1800" dirty="0" smtClean="0"/>
-              <a:t>Biblioteca </a:t>
-            </a:r>
-            <a:r>
-              <a:rPr lang="pt-BR" sz="1800" dirty="0" err="1" smtClean="0"/>
-              <a:t>JavaScript</a:t>
-            </a:r>
-            <a:r>
-              <a:rPr lang="pt-BR" sz="1800" dirty="0" smtClean="0"/>
-              <a:t>.</a:t>
-            </a:r>
-          </a:p>
-          <a:p>
-            <a:pPr marL="0" indent="0">
-              <a:buNone/>
-            </a:pPr>
+            <a:endParaRPr lang="pt-BR" dirty="0"/>
+          </a:p>
+          <a:p>
+            <a:r>
+              <a:rPr lang="pt-BR" dirty="0">
+                <a:hlinkClick r:id="rId3"/>
+              </a:rPr>
+              <a:t>https://www.sitepoint.com/full-stack-developer</a:t>
+            </a:r>
+            <a:r>
+              <a:rPr lang="pt-BR" dirty="0" smtClean="0">
+                <a:hlinkClick r:id="rId3"/>
+              </a:rPr>
+              <a:t>/</a:t>
+            </a:r>
             <a:endParaRPr lang="pt-BR" dirty="0" smtClean="0"/>
           </a:p>
           <a:p>
-            <a:r>
-              <a:rPr lang="pt-BR" dirty="0" smtClean="0"/>
-              <a:t>Fornece </a:t>
-            </a:r>
+            <a:endParaRPr lang="pt-BR" dirty="0"/>
+          </a:p>
+          <a:p>
+            <a:r>
+              <a:rPr lang="pt-BR" dirty="0">
+                <a:hlinkClick r:id="rId4"/>
+              </a:rPr>
+              <a:t>https://designschool.canva.com/blog/404-page-design</a:t>
+            </a:r>
+            <a:r>
+              <a:rPr lang="pt-BR" dirty="0" smtClean="0">
+                <a:hlinkClick r:id="rId4"/>
+              </a:rPr>
+              <a:t>/</a:t>
+            </a:r>
+            <a:endParaRPr lang="pt-BR" dirty="0" smtClean="0"/>
+          </a:p>
+          <a:p>
+            <a:endParaRPr lang="pt-BR" dirty="0"/>
+          </a:p>
+          <a:p>
+            <a:r>
+              <a:rPr lang="pt-BR" dirty="0">
+                <a:hlinkClick r:id="rId5"/>
+              </a:rPr>
+              <a:t>http://</a:t>
+            </a:r>
+            <a:r>
+              <a:rPr lang="pt-BR" dirty="0" smtClean="0">
+                <a:hlinkClick r:id="rId5"/>
+              </a:rPr>
+              <a:t>www.w3schools.com/xml/ajax_intro.asp</a:t>
+            </a:r>
+            <a:endParaRPr lang="pt-BR" dirty="0" smtClean="0"/>
+          </a:p>
+          <a:p>
+            <a:endParaRPr lang="pt-BR" dirty="0"/>
+          </a:p>
+          <a:p>
+            <a:r>
+              <a:rPr lang="pt-BR" dirty="0">
+                <a:hlinkClick r:id="rId6"/>
+              </a:rPr>
+              <a:t>https://</a:t>
+            </a:r>
+            <a:r>
+              <a:rPr lang="pt-BR" dirty="0" smtClean="0">
+                <a:hlinkClick r:id="rId6"/>
+              </a:rPr>
+              <a:t>pt.wikipedia.org/wiki/PHP</a:t>
+            </a:r>
+            <a:endParaRPr lang="pt-BR" dirty="0" smtClean="0"/>
+          </a:p>
+          <a:p>
+            <a:endParaRPr lang="pt-BR" dirty="0"/>
+          </a:p>
+          <a:p>
+            <a:r>
+              <a:rPr lang="pt-BR" dirty="0">
+                <a:hlinkClick r:id="rId7"/>
+              </a:rPr>
+              <a:t>https://</a:t>
+            </a:r>
+            <a:r>
+              <a:rPr lang="pt-BR" dirty="0" smtClean="0">
+                <a:hlinkClick r:id="rId7"/>
+              </a:rPr>
+              <a:t>pt.wikipedia.org/wiki/MySQL</a:t>
+            </a:r>
+            <a:endParaRPr lang="pt-BR" dirty="0" smtClean="0"/>
+          </a:p>
+          <a:p>
+            <a:endParaRPr lang="pt-BR" dirty="0"/>
+          </a:p>
+          <a:p>
+            <a:r>
+              <a:rPr lang="pt-BR" dirty="0">
+                <a:hlinkClick r:id="rId8"/>
+              </a:rPr>
+              <a:t>https://</a:t>
+            </a:r>
+            <a:r>
+              <a:rPr lang="pt-BR" dirty="0" smtClean="0">
+                <a:hlinkClick r:id="rId8"/>
+              </a:rPr>
+              <a:t>pt.wikipedia.org/wiki/Servidor_Apache</a:t>
+            </a:r>
+            <a:endParaRPr lang="pt-BR" dirty="0" smtClean="0"/>
+          </a:p>
+          <a:p>
+            <a:endParaRPr lang="pt-BR" dirty="0"/>
+          </a:p>
+          <a:p>
             <a:r>
               <a:rPr lang="pt-BR" dirty="0"/>
-              <a:t>uma variação dessa linguagem com uma sintaxe mais amigável</a:t>
-            </a:r>
-            <a:r>
-              <a:rPr lang="pt-BR" dirty="0" smtClean="0"/>
-              <a:t>.</a:t>
-            </a:r>
-          </a:p>
-          <a:p>
-            <a:pPr lvl="1">
-              <a:buFont typeface="Courier New" panose="02070309020205020404" pitchFamily="49" charset="0"/>
-              <a:buChar char="o"/>
-            </a:pPr>
-            <a:r>
-              <a:rPr lang="pt-BR" sz="1800" dirty="0" smtClean="0"/>
-              <a:t>Um dos precursores dos navegadores web.</a:t>
-            </a:r>
-          </a:p>
-          <a:p>
-            <a:endParaRPr lang="pt-BR" dirty="0"/>
-          </a:p>
-          <a:p>
-            <a:r>
-              <a:rPr lang="pt-BR" dirty="0" smtClean="0"/>
-              <a:t>Atualmente muito popular.</a:t>
-            </a:r>
-          </a:p>
-          <a:p>
-            <a:endParaRPr lang="pt-BR" dirty="0"/>
-          </a:p>
-          <a:p>
-            <a:pPr marL="0" indent="0">
-              <a:buNone/>
-            </a:pPr>
-            <a:endParaRPr lang="pt-BR" dirty="0" smtClean="0"/>
-          </a:p>
-          <a:p>
-            <a:pPr lvl="1">
-              <a:buFont typeface="Courier New" panose="02070309020205020404" pitchFamily="49" charset="0"/>
-              <a:buChar char="o"/>
-            </a:pPr>
-            <a:endParaRPr lang="pt-BR" dirty="0" smtClean="0"/>
-          </a:p>
-          <a:p>
-            <a:endParaRPr lang="pt-BR" dirty="0"/>
+              <a:t>http://www.wampserver.com/en/</a:t>
+            </a:r>
           </a:p>
         </p:txBody>
       </p:sp>
@@ -14387,7 +15380,7 @@
           <p:nvPr/>
         </p:nvPicPr>
         <p:blipFill>
-          <a:blip r:embed="rId2">
+          <a:blip r:embed="rId9">
             <a:extLst>
               <a:ext uri="{28A0092B-C50C-407E-A947-70E740481C1C}">
                 <a14:useLocalDpi xmlns:a14="http://schemas.microsoft.com/office/drawing/2010/main" val="0"/>
@@ -14417,7 +15410,7 @@
           <p:nvPr/>
         </p:nvPicPr>
         <p:blipFill>
-          <a:blip r:embed="rId3" cstate="print">
+          <a:blip r:embed="rId10" cstate="print">
             <a:extLst>
               <a:ext uri="{28A0092B-C50C-407E-A947-70E740481C1C}">
                 <a14:useLocalDpi xmlns:a14="http://schemas.microsoft.com/office/drawing/2010/main" val="0"/>
@@ -14447,7 +15440,7 @@
           <p:nvPr/>
         </p:nvPicPr>
         <p:blipFill>
-          <a:blip r:embed="rId4">
+          <a:blip r:embed="rId11">
             <a:extLst>
               <a:ext uri="{28A0092B-C50C-407E-A947-70E740481C1C}">
                 <a14:useLocalDpi xmlns:a14="http://schemas.microsoft.com/office/drawing/2010/main" val="0"/>
@@ -14493,1789 +15486,16 @@
             <a:pPr algn="ctr"/>
             <a:r>
               <a:rPr lang="pt-BR" dirty="0" smtClean="0"/>
-              <a:t>16</a:t>
-            </a:r>
-            <a:endParaRPr lang="pt-BR" dirty="0"/>
+              <a:t>35</a:t>
+            </a:r>
+            <a:endParaRPr lang="pt-BR" dirty="0" smtClean="0"/>
           </a:p>
         </p:txBody>
       </p:sp>
     </p:spTree>
     <p:extLst>
       <p:ext uri="{BB962C8B-B14F-4D97-AF65-F5344CB8AC3E}">
-        <p14:creationId xmlns:p14="http://schemas.microsoft.com/office/powerpoint/2010/main" val="2605675464"/>
-      </p:ext>
-    </p:extLst>
-  </p:cSld>
-  <p:clrMapOvr>
-    <a:masterClrMapping/>
-  </p:clrMapOvr>
-  <p:timing>
-    <p:tnLst>
-      <p:par>
-        <p:cTn id="1" dur="indefinite" restart="never" nodeType="tmRoot"/>
-      </p:par>
-    </p:tnLst>
-  </p:timing>
-</p:sld>
-</file>
-
-<file path=ppt/slides/slide37.xml><?xml version="1.0" encoding="utf-8"?>
-<p:sld xmlns:a="http://schemas.openxmlformats.org/drawingml/2006/main" xmlns:r="http://schemas.openxmlformats.org/officeDocument/2006/relationships" xmlns:p="http://schemas.openxmlformats.org/presentationml/2006/main">
-  <p:cSld>
-    <p:spTree>
-      <p:nvGrpSpPr>
-        <p:cNvPr id="1" name=""/>
-        <p:cNvGrpSpPr/>
-        <p:nvPr/>
-      </p:nvGrpSpPr>
-      <p:grpSpPr>
-        <a:xfrm>
-          <a:off x="0" y="0"/>
-          <a:ext cx="0" cy="0"/>
-          <a:chOff x="0" y="0"/>
-          <a:chExt cx="0" cy="0"/>
-        </a:xfrm>
-      </p:grpSpPr>
-      <p:sp>
-        <p:nvSpPr>
-          <p:cNvPr id="2" name="Título 1"/>
-          <p:cNvSpPr>
-            <a:spLocks noGrp="1"/>
-          </p:cNvSpPr>
-          <p:nvPr>
-            <p:ph type="title"/>
-          </p:nvPr>
-        </p:nvSpPr>
-        <p:spPr>
-          <a:xfrm>
-            <a:off x="818712" y="144121"/>
-            <a:ext cx="9458629" cy="970450"/>
-          </a:xfrm>
-        </p:spPr>
-        <p:txBody>
-          <a:bodyPr>
-            <a:normAutofit/>
-          </a:bodyPr>
-          <a:lstStyle/>
-          <a:p>
-            <a:r>
-              <a:rPr lang="pt-BR" sz="3700" dirty="0"/>
-              <a:t>Servidor HTTP Apache e ferramentas adicionais</a:t>
-            </a:r>
-            <a:endParaRPr lang="pt-BR" sz="3700" dirty="0"/>
-          </a:p>
-        </p:txBody>
-      </p:sp>
-      <p:sp>
-        <p:nvSpPr>
-          <p:cNvPr id="3" name="Espaço Reservado para Conteúdo 2"/>
-          <p:cNvSpPr>
-            <a:spLocks noGrp="1"/>
-          </p:cNvSpPr>
-          <p:nvPr>
-            <p:ph idx="1"/>
-          </p:nvPr>
-        </p:nvSpPr>
-        <p:spPr>
-          <a:xfrm>
-            <a:off x="838200" y="1883613"/>
-            <a:ext cx="10515600" cy="4351338"/>
-          </a:xfrm>
-        </p:spPr>
-        <p:txBody>
-          <a:bodyPr>
-            <a:normAutofit/>
-          </a:bodyPr>
-          <a:lstStyle/>
-          <a:p>
-            <a:r>
-              <a:rPr lang="pt-BR" dirty="0" err="1" smtClean="0"/>
-              <a:t>JQuery</a:t>
-            </a:r>
-            <a:endParaRPr lang="pt-BR" dirty="0" smtClean="0"/>
-          </a:p>
-          <a:p>
-            <a:pPr lvl="1">
-              <a:buFont typeface="Courier New" panose="02070309020205020404" pitchFamily="49" charset="0"/>
-              <a:buChar char="o"/>
-            </a:pPr>
-            <a:r>
-              <a:rPr lang="pt-BR" sz="1800" dirty="0" smtClean="0"/>
-              <a:t>Biblioteca </a:t>
-            </a:r>
-            <a:r>
-              <a:rPr lang="pt-BR" sz="1800" dirty="0" err="1" smtClean="0"/>
-              <a:t>JavaScript</a:t>
-            </a:r>
-            <a:r>
-              <a:rPr lang="pt-BR" sz="1800" dirty="0" smtClean="0"/>
-              <a:t>.</a:t>
-            </a:r>
-          </a:p>
-          <a:p>
-            <a:pPr marL="0" indent="0">
-              <a:buNone/>
-            </a:pPr>
-            <a:endParaRPr lang="pt-BR" dirty="0" smtClean="0"/>
-          </a:p>
-          <a:p>
-            <a:r>
-              <a:rPr lang="pt-BR" dirty="0" smtClean="0"/>
-              <a:t>Fornece </a:t>
-            </a:r>
-            <a:r>
-              <a:rPr lang="pt-BR" dirty="0"/>
-              <a:t>uma variação dessa linguagem com uma sintaxe mais amigável</a:t>
-            </a:r>
-            <a:r>
-              <a:rPr lang="pt-BR" dirty="0" smtClean="0"/>
-              <a:t>.</a:t>
-            </a:r>
-          </a:p>
-          <a:p>
-            <a:pPr lvl="1">
-              <a:buFont typeface="Courier New" panose="02070309020205020404" pitchFamily="49" charset="0"/>
-              <a:buChar char="o"/>
-            </a:pPr>
-            <a:r>
-              <a:rPr lang="pt-BR" sz="1800" dirty="0" smtClean="0"/>
-              <a:t>Um dos precursores dos navegadores web.</a:t>
-            </a:r>
-          </a:p>
-          <a:p>
-            <a:endParaRPr lang="pt-BR" dirty="0"/>
-          </a:p>
-          <a:p>
-            <a:r>
-              <a:rPr lang="pt-BR" dirty="0" smtClean="0"/>
-              <a:t>Atualmente muito popular.</a:t>
-            </a:r>
-          </a:p>
-          <a:p>
-            <a:endParaRPr lang="pt-BR" dirty="0"/>
-          </a:p>
-          <a:p>
-            <a:pPr marL="0" indent="0">
-              <a:buNone/>
-            </a:pPr>
-            <a:endParaRPr lang="pt-BR" dirty="0" smtClean="0"/>
-          </a:p>
-          <a:p>
-            <a:pPr lvl="1">
-              <a:buFont typeface="Courier New" panose="02070309020205020404" pitchFamily="49" charset="0"/>
-              <a:buChar char="o"/>
-            </a:pPr>
-            <a:endParaRPr lang="pt-BR" dirty="0" smtClean="0"/>
-          </a:p>
-          <a:p>
-            <a:endParaRPr lang="pt-BR" dirty="0"/>
-          </a:p>
-        </p:txBody>
-      </p:sp>
-      <p:pic>
-        <p:nvPicPr>
-          <p:cNvPr id="5" name="Espaço Reservado para Conteúdo 3"/>
-          <p:cNvPicPr>
-            <a:picLocks noChangeAspect="1"/>
-          </p:cNvPicPr>
-          <p:nvPr/>
-        </p:nvPicPr>
-        <p:blipFill>
-          <a:blip r:embed="rId2">
-            <a:extLst>
-              <a:ext uri="{28A0092B-C50C-407E-A947-70E740481C1C}">
-                <a14:useLocalDpi xmlns:a14="http://schemas.microsoft.com/office/drawing/2010/main" val="0"/>
-              </a:ext>
-            </a:extLst>
-          </a:blip>
-          <a:stretch>
-            <a:fillRect/>
-          </a:stretch>
-        </p:blipFill>
-        <p:spPr>
-          <a:xfrm>
-            <a:off x="818712" y="1139143"/>
-            <a:ext cx="11373288" cy="695325"/>
-          </a:xfrm>
-          <a:prstGeom prst="rect">
-            <a:avLst/>
-          </a:prstGeom>
-        </p:spPr>
-      </p:pic>
-      <p:pic>
-        <p:nvPicPr>
-          <p:cNvPr id="7" name="Espaço Reservado para Conteúdo 5"/>
-          <p:cNvPicPr>
-            <a:picLocks noChangeAspect="1"/>
-          </p:cNvPicPr>
-          <p:nvPr/>
-        </p:nvPicPr>
-        <p:blipFill>
-          <a:blip r:embed="rId3" cstate="print">
-            <a:extLst>
-              <a:ext uri="{28A0092B-C50C-407E-A947-70E740481C1C}">
-                <a14:useLocalDpi xmlns:a14="http://schemas.microsoft.com/office/drawing/2010/main" val="0"/>
-              </a:ext>
-            </a:extLst>
-          </a:blip>
-          <a:stretch>
-            <a:fillRect/>
-          </a:stretch>
-        </p:blipFill>
-        <p:spPr>
-          <a:xfrm>
-            <a:off x="10097037" y="219459"/>
-            <a:ext cx="1953555" cy="669183"/>
-          </a:xfrm>
-          <a:prstGeom prst="rect">
-            <a:avLst/>
-          </a:prstGeom>
-        </p:spPr>
-      </p:pic>
-      <p:pic>
-        <p:nvPicPr>
-          <p:cNvPr id="9" name="Espaço Reservado para Conteúdo 7"/>
-          <p:cNvPicPr>
-            <a:picLocks noChangeAspect="1"/>
-          </p:cNvPicPr>
-          <p:nvPr/>
-        </p:nvPicPr>
-        <p:blipFill>
-          <a:blip r:embed="rId4">
-            <a:extLst>
-              <a:ext uri="{28A0092B-C50C-407E-A947-70E740481C1C}">
-                <a14:useLocalDpi xmlns:a14="http://schemas.microsoft.com/office/drawing/2010/main" val="0"/>
-              </a:ext>
-            </a:extLst>
-          </a:blip>
-          <a:stretch>
-            <a:fillRect/>
-          </a:stretch>
-        </p:blipFill>
-        <p:spPr>
-          <a:xfrm>
-            <a:off x="11308648" y="6370179"/>
-            <a:ext cx="883352" cy="487821"/>
-          </a:xfrm>
-          <a:prstGeom prst="rect">
-            <a:avLst/>
-          </a:prstGeom>
-        </p:spPr>
-      </p:pic>
-      <p:sp>
-        <p:nvSpPr>
-          <p:cNvPr id="8" name="CaixaDeTexto 7"/>
-          <p:cNvSpPr txBox="1"/>
-          <p:nvPr/>
-        </p:nvSpPr>
-        <p:spPr>
-          <a:xfrm>
-            <a:off x="11331224" y="6429423"/>
-            <a:ext cx="838200" cy="369332"/>
-          </a:xfrm>
-          <a:prstGeom prst="rect">
-            <a:avLst/>
-          </a:prstGeom>
-          <a:noFill/>
-        </p:spPr>
-        <p:txBody>
-          <a:bodyPr wrap="square" rtlCol="0">
-            <a:spAutoFit/>
-          </a:bodyPr>
-          <a:lstStyle/>
-          <a:p>
-            <a:pPr algn="ctr"/>
-            <a:r>
-              <a:rPr lang="pt-BR" dirty="0" smtClean="0"/>
-              <a:t>16</a:t>
-            </a:r>
-            <a:endParaRPr lang="pt-BR" dirty="0"/>
-          </a:p>
-        </p:txBody>
-      </p:sp>
-    </p:spTree>
-    <p:extLst>
-      <p:ext uri="{BB962C8B-B14F-4D97-AF65-F5344CB8AC3E}">
-        <p14:creationId xmlns:p14="http://schemas.microsoft.com/office/powerpoint/2010/main" val="1505365711"/>
-      </p:ext>
-    </p:extLst>
-  </p:cSld>
-  <p:clrMapOvr>
-    <a:masterClrMapping/>
-  </p:clrMapOvr>
-  <p:timing>
-    <p:tnLst>
-      <p:par>
-        <p:cTn id="1" dur="indefinite" restart="never" nodeType="tmRoot"/>
-      </p:par>
-    </p:tnLst>
-  </p:timing>
-</p:sld>
-</file>
-
-<file path=ppt/slides/slide38.xml><?xml version="1.0" encoding="utf-8"?>
-<p:sld xmlns:a="http://schemas.openxmlformats.org/drawingml/2006/main" xmlns:r="http://schemas.openxmlformats.org/officeDocument/2006/relationships" xmlns:p="http://schemas.openxmlformats.org/presentationml/2006/main">
-  <p:cSld>
-    <p:spTree>
-      <p:nvGrpSpPr>
-        <p:cNvPr id="1" name=""/>
-        <p:cNvGrpSpPr/>
-        <p:nvPr/>
-      </p:nvGrpSpPr>
-      <p:grpSpPr>
-        <a:xfrm>
-          <a:off x="0" y="0"/>
-          <a:ext cx="0" cy="0"/>
-          <a:chOff x="0" y="0"/>
-          <a:chExt cx="0" cy="0"/>
-        </a:xfrm>
-      </p:grpSpPr>
-      <p:sp>
-        <p:nvSpPr>
-          <p:cNvPr id="2" name="Título 1"/>
-          <p:cNvSpPr>
-            <a:spLocks noGrp="1"/>
-          </p:cNvSpPr>
-          <p:nvPr>
-            <p:ph type="title"/>
-          </p:nvPr>
-        </p:nvSpPr>
-        <p:spPr>
-          <a:xfrm>
-            <a:off x="818712" y="138095"/>
-            <a:ext cx="8634381" cy="970450"/>
-          </a:xfrm>
-        </p:spPr>
-        <p:txBody>
-          <a:bodyPr/>
-          <a:lstStyle/>
-          <a:p>
-            <a:r>
-              <a:rPr lang="pt-BR" dirty="0" smtClean="0"/>
-              <a:t>Prática</a:t>
-            </a:r>
-            <a:endParaRPr lang="pt-BR" dirty="0"/>
-          </a:p>
-        </p:txBody>
-      </p:sp>
-      <p:sp>
-        <p:nvSpPr>
-          <p:cNvPr id="3" name="Espaço Reservado para Conteúdo 2"/>
-          <p:cNvSpPr>
-            <a:spLocks noGrp="1"/>
-          </p:cNvSpPr>
-          <p:nvPr>
-            <p:ph idx="1"/>
-          </p:nvPr>
-        </p:nvSpPr>
-        <p:spPr>
-          <a:xfrm>
-            <a:off x="838200" y="1883613"/>
-            <a:ext cx="10515600" cy="4351338"/>
-          </a:xfrm>
-        </p:spPr>
-        <p:txBody>
-          <a:bodyPr>
-            <a:normAutofit/>
-          </a:bodyPr>
-          <a:lstStyle/>
-          <a:p>
-            <a:endParaRPr lang="pt-BR" dirty="0"/>
-          </a:p>
-          <a:p>
-            <a:pPr marL="0" indent="0">
-              <a:buNone/>
-            </a:pPr>
-            <a:endParaRPr lang="pt-BR" dirty="0" smtClean="0"/>
-          </a:p>
-          <a:p>
-            <a:pPr lvl="1">
-              <a:buFont typeface="Courier New" panose="02070309020205020404" pitchFamily="49" charset="0"/>
-              <a:buChar char="o"/>
-            </a:pPr>
-            <a:endParaRPr lang="pt-BR" dirty="0" smtClean="0"/>
-          </a:p>
-          <a:p>
-            <a:endParaRPr lang="pt-BR" dirty="0"/>
-          </a:p>
-        </p:txBody>
-      </p:sp>
-      <p:pic>
-        <p:nvPicPr>
-          <p:cNvPr id="5" name="Espaço Reservado para Conteúdo 3"/>
-          <p:cNvPicPr>
-            <a:picLocks noChangeAspect="1"/>
-          </p:cNvPicPr>
-          <p:nvPr/>
-        </p:nvPicPr>
-        <p:blipFill>
-          <a:blip r:embed="rId2">
-            <a:extLst>
-              <a:ext uri="{28A0092B-C50C-407E-A947-70E740481C1C}">
-                <a14:useLocalDpi xmlns:a14="http://schemas.microsoft.com/office/drawing/2010/main" val="0"/>
-              </a:ext>
-            </a:extLst>
-          </a:blip>
-          <a:stretch>
-            <a:fillRect/>
-          </a:stretch>
-        </p:blipFill>
-        <p:spPr>
-          <a:xfrm>
-            <a:off x="818712" y="1139143"/>
-            <a:ext cx="11373288" cy="695325"/>
-          </a:xfrm>
-          <a:prstGeom prst="rect">
-            <a:avLst/>
-          </a:prstGeom>
-        </p:spPr>
-      </p:pic>
-      <p:pic>
-        <p:nvPicPr>
-          <p:cNvPr id="7" name="Espaço Reservado para Conteúdo 5"/>
-          <p:cNvPicPr>
-            <a:picLocks noChangeAspect="1"/>
-          </p:cNvPicPr>
-          <p:nvPr/>
-        </p:nvPicPr>
-        <p:blipFill>
-          <a:blip r:embed="rId3" cstate="print">
-            <a:extLst>
-              <a:ext uri="{28A0092B-C50C-407E-A947-70E740481C1C}">
-                <a14:useLocalDpi xmlns:a14="http://schemas.microsoft.com/office/drawing/2010/main" val="0"/>
-              </a:ext>
-            </a:extLst>
-          </a:blip>
-          <a:stretch>
-            <a:fillRect/>
-          </a:stretch>
-        </p:blipFill>
-        <p:spPr>
-          <a:xfrm>
-            <a:off x="10097037" y="219459"/>
-            <a:ext cx="1953555" cy="669183"/>
-          </a:xfrm>
-          <a:prstGeom prst="rect">
-            <a:avLst/>
-          </a:prstGeom>
-        </p:spPr>
-      </p:pic>
-      <p:pic>
-        <p:nvPicPr>
-          <p:cNvPr id="9" name="Espaço Reservado para Conteúdo 7"/>
-          <p:cNvPicPr>
-            <a:picLocks noChangeAspect="1"/>
-          </p:cNvPicPr>
-          <p:nvPr/>
-        </p:nvPicPr>
-        <p:blipFill>
-          <a:blip r:embed="rId4">
-            <a:extLst>
-              <a:ext uri="{28A0092B-C50C-407E-A947-70E740481C1C}">
-                <a14:useLocalDpi xmlns:a14="http://schemas.microsoft.com/office/drawing/2010/main" val="0"/>
-              </a:ext>
-            </a:extLst>
-          </a:blip>
-          <a:stretch>
-            <a:fillRect/>
-          </a:stretch>
-        </p:blipFill>
-        <p:spPr>
-          <a:xfrm>
-            <a:off x="11308648" y="6370179"/>
-            <a:ext cx="883352" cy="487821"/>
-          </a:xfrm>
-          <a:prstGeom prst="rect">
-            <a:avLst/>
-          </a:prstGeom>
-        </p:spPr>
-      </p:pic>
-      <p:sp>
-        <p:nvSpPr>
-          <p:cNvPr id="8" name="CaixaDeTexto 7"/>
-          <p:cNvSpPr txBox="1"/>
-          <p:nvPr/>
-        </p:nvSpPr>
-        <p:spPr>
-          <a:xfrm>
-            <a:off x="11331224" y="6429423"/>
-            <a:ext cx="838200" cy="369332"/>
-          </a:xfrm>
-          <a:prstGeom prst="rect">
-            <a:avLst/>
-          </a:prstGeom>
-          <a:noFill/>
-        </p:spPr>
-        <p:txBody>
-          <a:bodyPr wrap="square" rtlCol="0">
-            <a:spAutoFit/>
-          </a:bodyPr>
-          <a:lstStyle/>
-          <a:p>
-            <a:pPr algn="ctr"/>
-            <a:r>
-              <a:rPr lang="pt-BR" dirty="0" smtClean="0"/>
-              <a:t>16</a:t>
-            </a:r>
-            <a:endParaRPr lang="pt-BR" dirty="0"/>
-          </a:p>
-        </p:txBody>
-      </p:sp>
-      <p:pic>
-        <p:nvPicPr>
-          <p:cNvPr id="6" name="Imagem 5"/>
-          <p:cNvPicPr>
-            <a:picLocks noChangeAspect="1"/>
-          </p:cNvPicPr>
-          <p:nvPr/>
-        </p:nvPicPr>
-        <p:blipFill>
-          <a:blip r:embed="rId5"/>
-          <a:stretch>
-            <a:fillRect/>
-          </a:stretch>
-        </p:blipFill>
-        <p:spPr>
-          <a:xfrm>
-            <a:off x="1955442" y="2455223"/>
-            <a:ext cx="8281116" cy="3208117"/>
-          </a:xfrm>
-          <a:prstGeom prst="rect">
-            <a:avLst/>
-          </a:prstGeom>
-        </p:spPr>
-      </p:pic>
-    </p:spTree>
-    <p:extLst>
-      <p:ext uri="{BB962C8B-B14F-4D97-AF65-F5344CB8AC3E}">
-        <p14:creationId xmlns:p14="http://schemas.microsoft.com/office/powerpoint/2010/main" val="2511183426"/>
-      </p:ext>
-    </p:extLst>
-  </p:cSld>
-  <p:clrMapOvr>
-    <a:masterClrMapping/>
-  </p:clrMapOvr>
-  <p:timing>
-    <p:tnLst>
-      <p:par>
-        <p:cTn id="1" dur="indefinite" restart="never" nodeType="tmRoot"/>
-      </p:par>
-    </p:tnLst>
-  </p:timing>
-</p:sld>
-</file>
-
-<file path=ppt/slides/slide39.xml><?xml version="1.0" encoding="utf-8"?>
-<p:sld xmlns:a="http://schemas.openxmlformats.org/drawingml/2006/main" xmlns:r="http://schemas.openxmlformats.org/officeDocument/2006/relationships" xmlns:p="http://schemas.openxmlformats.org/presentationml/2006/main">
-  <p:cSld>
-    <p:spTree>
-      <p:nvGrpSpPr>
-        <p:cNvPr id="1" name=""/>
-        <p:cNvGrpSpPr/>
-        <p:nvPr/>
-      </p:nvGrpSpPr>
-      <p:grpSpPr>
-        <a:xfrm>
-          <a:off x="0" y="0"/>
-          <a:ext cx="0" cy="0"/>
-          <a:chOff x="0" y="0"/>
-          <a:chExt cx="0" cy="0"/>
-        </a:xfrm>
-      </p:grpSpPr>
-      <p:sp>
-        <p:nvSpPr>
-          <p:cNvPr id="2" name="Título 1"/>
-          <p:cNvSpPr>
-            <a:spLocks noGrp="1"/>
-          </p:cNvSpPr>
-          <p:nvPr>
-            <p:ph type="title"/>
-          </p:nvPr>
-        </p:nvSpPr>
-        <p:spPr>
-          <a:xfrm>
-            <a:off x="818712" y="138095"/>
-            <a:ext cx="8634381" cy="970450"/>
-          </a:xfrm>
-        </p:spPr>
-        <p:txBody>
-          <a:bodyPr/>
-          <a:lstStyle/>
-          <a:p>
-            <a:r>
-              <a:rPr lang="pt-BR" dirty="0" smtClean="0"/>
-              <a:t>Obrigado!</a:t>
-            </a:r>
-            <a:endParaRPr lang="pt-BR" dirty="0"/>
-          </a:p>
-        </p:txBody>
-      </p:sp>
-      <p:sp>
-        <p:nvSpPr>
-          <p:cNvPr id="3" name="Espaço Reservado para Conteúdo 2"/>
-          <p:cNvSpPr>
-            <a:spLocks noGrp="1"/>
-          </p:cNvSpPr>
-          <p:nvPr>
-            <p:ph idx="1"/>
-          </p:nvPr>
-        </p:nvSpPr>
-        <p:spPr>
-          <a:xfrm>
-            <a:off x="838200" y="1883613"/>
-            <a:ext cx="10515600" cy="4351338"/>
-          </a:xfrm>
-        </p:spPr>
-        <p:txBody>
-          <a:bodyPr>
-            <a:noAutofit/>
-          </a:bodyPr>
-          <a:lstStyle/>
-          <a:p>
-            <a:endParaRPr lang="pt-BR" sz="2200" dirty="0"/>
-          </a:p>
-          <a:p>
-            <a:endParaRPr lang="pt-BR" sz="2200" dirty="0"/>
-          </a:p>
-        </p:txBody>
-      </p:sp>
-      <p:pic>
-        <p:nvPicPr>
-          <p:cNvPr id="5" name="Espaço Reservado para Conteúdo 3"/>
-          <p:cNvPicPr>
-            <a:picLocks noChangeAspect="1"/>
-          </p:cNvPicPr>
-          <p:nvPr/>
-        </p:nvPicPr>
-        <p:blipFill>
-          <a:blip r:embed="rId2">
-            <a:extLst>
-              <a:ext uri="{28A0092B-C50C-407E-A947-70E740481C1C}">
-                <a14:useLocalDpi xmlns:a14="http://schemas.microsoft.com/office/drawing/2010/main" val="0"/>
-              </a:ext>
-            </a:extLst>
-          </a:blip>
-          <a:stretch>
-            <a:fillRect/>
-          </a:stretch>
-        </p:blipFill>
-        <p:spPr>
-          <a:xfrm>
-            <a:off x="818712" y="1139143"/>
-            <a:ext cx="11373288" cy="695325"/>
-          </a:xfrm>
-          <a:prstGeom prst="rect">
-            <a:avLst/>
-          </a:prstGeom>
-        </p:spPr>
-      </p:pic>
-      <p:pic>
-        <p:nvPicPr>
-          <p:cNvPr id="7" name="Espaço Reservado para Conteúdo 5"/>
-          <p:cNvPicPr>
-            <a:picLocks noChangeAspect="1"/>
-          </p:cNvPicPr>
-          <p:nvPr/>
-        </p:nvPicPr>
-        <p:blipFill>
-          <a:blip r:embed="rId3" cstate="print">
-            <a:extLst>
-              <a:ext uri="{28A0092B-C50C-407E-A947-70E740481C1C}">
-                <a14:useLocalDpi xmlns:a14="http://schemas.microsoft.com/office/drawing/2010/main" val="0"/>
-              </a:ext>
-            </a:extLst>
-          </a:blip>
-          <a:stretch>
-            <a:fillRect/>
-          </a:stretch>
-        </p:blipFill>
-        <p:spPr>
-          <a:xfrm>
-            <a:off x="10097037" y="219459"/>
-            <a:ext cx="1953555" cy="669183"/>
-          </a:xfrm>
-          <a:prstGeom prst="rect">
-            <a:avLst/>
-          </a:prstGeom>
-        </p:spPr>
-      </p:pic>
-      <p:pic>
-        <p:nvPicPr>
-          <p:cNvPr id="9" name="Espaço Reservado para Conteúdo 7"/>
-          <p:cNvPicPr>
-            <a:picLocks noChangeAspect="1"/>
-          </p:cNvPicPr>
-          <p:nvPr/>
-        </p:nvPicPr>
-        <p:blipFill>
-          <a:blip r:embed="rId4">
-            <a:extLst>
-              <a:ext uri="{28A0092B-C50C-407E-A947-70E740481C1C}">
-                <a14:useLocalDpi xmlns:a14="http://schemas.microsoft.com/office/drawing/2010/main" val="0"/>
-              </a:ext>
-            </a:extLst>
-          </a:blip>
-          <a:stretch>
-            <a:fillRect/>
-          </a:stretch>
-        </p:blipFill>
-        <p:spPr>
-          <a:xfrm>
-            <a:off x="11308648" y="6370179"/>
-            <a:ext cx="883352" cy="487821"/>
-          </a:xfrm>
-          <a:prstGeom prst="rect">
-            <a:avLst/>
-          </a:prstGeom>
-        </p:spPr>
-      </p:pic>
-      <p:sp>
-        <p:nvSpPr>
-          <p:cNvPr id="10" name="CaixaDeTexto 9"/>
-          <p:cNvSpPr txBox="1"/>
-          <p:nvPr/>
-        </p:nvSpPr>
-        <p:spPr>
-          <a:xfrm>
-            <a:off x="11331224" y="6429423"/>
-            <a:ext cx="838200" cy="369332"/>
-          </a:xfrm>
-          <a:prstGeom prst="rect">
-            <a:avLst/>
-          </a:prstGeom>
-          <a:noFill/>
-        </p:spPr>
-        <p:txBody>
-          <a:bodyPr wrap="square" rtlCol="0">
-            <a:spAutoFit/>
-          </a:bodyPr>
-          <a:lstStyle/>
-          <a:p>
-            <a:pPr algn="ctr"/>
-            <a:r>
-              <a:rPr lang="pt-BR" dirty="0" smtClean="0"/>
-              <a:t>41</a:t>
-            </a:r>
-            <a:endParaRPr lang="pt-BR" dirty="0"/>
-          </a:p>
-        </p:txBody>
-      </p:sp>
-      <p:sp>
-        <p:nvSpPr>
-          <p:cNvPr id="6" name="Pizza 5"/>
-          <p:cNvSpPr/>
-          <p:nvPr/>
-        </p:nvSpPr>
-        <p:spPr>
-          <a:xfrm rot="3063928">
-            <a:off x="2756079" y="3065172"/>
-            <a:ext cx="1738648" cy="1661374"/>
-          </a:xfrm>
-          <a:prstGeom prst="pie">
-            <a:avLst/>
-          </a:prstGeom>
-          <a:solidFill>
-            <a:srgbClr val="FFFF00"/>
-          </a:solidFill>
-          <a:ln>
-            <a:solidFill>
-              <a:schemeClr val="tx1"/>
-            </a:solidFill>
-          </a:ln>
-        </p:spPr>
-        <p:style>
-          <a:lnRef idx="2">
-            <a:schemeClr val="accent1">
-              <a:shade val="50000"/>
-            </a:schemeClr>
-          </a:lnRef>
-          <a:fillRef idx="1">
-            <a:schemeClr val="accent1"/>
-          </a:fillRef>
-          <a:effectRef idx="0">
-            <a:schemeClr val="accent1"/>
-          </a:effectRef>
-          <a:fontRef idx="minor">
-            <a:schemeClr val="lt1"/>
-          </a:fontRef>
-        </p:style>
-        <p:txBody>
-          <a:bodyPr rtlCol="0" anchor="ctr"/>
-          <a:lstStyle/>
-          <a:p>
-            <a:pPr algn="ctr"/>
-            <a:endParaRPr lang="pt-BR">
-              <a:solidFill>
-                <a:schemeClr val="tx1"/>
-              </a:solidFill>
-            </a:endParaRPr>
-          </a:p>
-        </p:txBody>
-      </p:sp>
-      <p:sp>
-        <p:nvSpPr>
-          <p:cNvPr id="8" name="Fluxograma: Conector 7"/>
-          <p:cNvSpPr/>
-          <p:nvPr/>
-        </p:nvSpPr>
-        <p:spPr>
-          <a:xfrm>
-            <a:off x="3412901" y="3348507"/>
-            <a:ext cx="257578" cy="257578"/>
-          </a:xfrm>
-          <a:prstGeom prst="flowChartConnector">
-            <a:avLst/>
-          </a:prstGeom>
-          <a:solidFill>
-            <a:schemeClr val="tx1"/>
-          </a:solidFill>
-          <a:ln>
-            <a:solidFill>
-              <a:schemeClr val="tx1"/>
-            </a:solidFill>
-          </a:ln>
-        </p:spPr>
-        <p:style>
-          <a:lnRef idx="2">
-            <a:schemeClr val="accent1">
-              <a:shade val="50000"/>
-            </a:schemeClr>
-          </a:lnRef>
-          <a:fillRef idx="1">
-            <a:schemeClr val="accent1"/>
-          </a:fillRef>
-          <a:effectRef idx="0">
-            <a:schemeClr val="accent1"/>
-          </a:effectRef>
-          <a:fontRef idx="minor">
-            <a:schemeClr val="lt1"/>
-          </a:fontRef>
-        </p:style>
-        <p:txBody>
-          <a:bodyPr rtlCol="0" anchor="ctr"/>
-          <a:lstStyle/>
-          <a:p>
-            <a:pPr algn="ctr"/>
-            <a:endParaRPr lang="pt-BR"/>
-          </a:p>
-        </p:txBody>
-      </p:sp>
-      <p:sp>
-        <p:nvSpPr>
-          <p:cNvPr id="11" name="Fluxograma: Conector 10"/>
-          <p:cNvSpPr/>
-          <p:nvPr/>
-        </p:nvSpPr>
-        <p:spPr>
-          <a:xfrm>
-            <a:off x="4377846" y="3817019"/>
-            <a:ext cx="257578" cy="257578"/>
-          </a:xfrm>
-          <a:prstGeom prst="flowChartConnector">
-            <a:avLst/>
-          </a:prstGeom>
-          <a:solidFill>
-            <a:srgbClr val="FFFF00"/>
-          </a:solidFill>
-          <a:ln>
-            <a:solidFill>
-              <a:schemeClr val="tx1"/>
-            </a:solidFill>
-          </a:ln>
-        </p:spPr>
-        <p:style>
-          <a:lnRef idx="2">
-            <a:schemeClr val="accent1">
-              <a:shade val="50000"/>
-            </a:schemeClr>
-          </a:lnRef>
-          <a:fillRef idx="1">
-            <a:schemeClr val="accent1"/>
-          </a:fillRef>
-          <a:effectRef idx="0">
-            <a:schemeClr val="accent1"/>
-          </a:effectRef>
-          <a:fontRef idx="minor">
-            <a:schemeClr val="lt1"/>
-          </a:fontRef>
-        </p:style>
-        <p:txBody>
-          <a:bodyPr rtlCol="0" anchor="ctr"/>
-          <a:lstStyle/>
-          <a:p>
-            <a:pPr algn="ctr"/>
-            <a:endParaRPr lang="pt-BR"/>
-          </a:p>
-        </p:txBody>
-      </p:sp>
-      <p:sp>
-        <p:nvSpPr>
-          <p:cNvPr id="12" name="Fluxograma: Conector 11"/>
-          <p:cNvSpPr/>
-          <p:nvPr/>
-        </p:nvSpPr>
-        <p:spPr>
-          <a:xfrm>
-            <a:off x="4878324" y="3817019"/>
-            <a:ext cx="257578" cy="257578"/>
-          </a:xfrm>
-          <a:prstGeom prst="flowChartConnector">
-            <a:avLst/>
-          </a:prstGeom>
-          <a:solidFill>
-            <a:srgbClr val="FFFF00"/>
-          </a:solidFill>
-          <a:ln>
-            <a:solidFill>
-              <a:schemeClr val="tx1"/>
-            </a:solidFill>
-          </a:ln>
-        </p:spPr>
-        <p:style>
-          <a:lnRef idx="2">
-            <a:schemeClr val="accent1">
-              <a:shade val="50000"/>
-            </a:schemeClr>
-          </a:lnRef>
-          <a:fillRef idx="1">
-            <a:schemeClr val="accent1"/>
-          </a:fillRef>
-          <a:effectRef idx="0">
-            <a:schemeClr val="accent1"/>
-          </a:effectRef>
-          <a:fontRef idx="minor">
-            <a:schemeClr val="lt1"/>
-          </a:fontRef>
-        </p:style>
-        <p:txBody>
-          <a:bodyPr rtlCol="0" anchor="ctr"/>
-          <a:lstStyle/>
-          <a:p>
-            <a:pPr algn="ctr"/>
-            <a:endParaRPr lang="pt-BR"/>
-          </a:p>
-        </p:txBody>
-      </p:sp>
-      <p:sp>
-        <p:nvSpPr>
-          <p:cNvPr id="13" name="Fluxograma: Conector 12"/>
-          <p:cNvSpPr/>
-          <p:nvPr/>
-        </p:nvSpPr>
-        <p:spPr>
-          <a:xfrm>
-            <a:off x="5405217" y="3817019"/>
-            <a:ext cx="257578" cy="257578"/>
-          </a:xfrm>
-          <a:prstGeom prst="flowChartConnector">
-            <a:avLst/>
-          </a:prstGeom>
-          <a:solidFill>
-            <a:srgbClr val="FFFF00"/>
-          </a:solidFill>
-          <a:ln>
-            <a:solidFill>
-              <a:schemeClr val="tx1"/>
-            </a:solidFill>
-          </a:ln>
-        </p:spPr>
-        <p:style>
-          <a:lnRef idx="2">
-            <a:schemeClr val="accent1">
-              <a:shade val="50000"/>
-            </a:schemeClr>
-          </a:lnRef>
-          <a:fillRef idx="1">
-            <a:schemeClr val="accent1"/>
-          </a:fillRef>
-          <a:effectRef idx="0">
-            <a:schemeClr val="accent1"/>
-          </a:effectRef>
-          <a:fontRef idx="minor">
-            <a:schemeClr val="lt1"/>
-          </a:fontRef>
-        </p:style>
-        <p:txBody>
-          <a:bodyPr rtlCol="0" anchor="ctr"/>
-          <a:lstStyle/>
-          <a:p>
-            <a:pPr algn="ctr"/>
-            <a:endParaRPr lang="pt-BR"/>
-          </a:p>
-        </p:txBody>
-      </p:sp>
-      <p:sp>
-        <p:nvSpPr>
-          <p:cNvPr id="14" name="Fluxograma: Conector 13"/>
-          <p:cNvSpPr/>
-          <p:nvPr/>
-        </p:nvSpPr>
-        <p:spPr>
-          <a:xfrm>
-            <a:off x="5932110" y="3821022"/>
-            <a:ext cx="257578" cy="257578"/>
-          </a:xfrm>
-          <a:prstGeom prst="flowChartConnector">
-            <a:avLst/>
-          </a:prstGeom>
-          <a:solidFill>
-            <a:srgbClr val="FFFF00"/>
-          </a:solidFill>
-          <a:ln>
-            <a:solidFill>
-              <a:schemeClr val="tx1"/>
-            </a:solidFill>
-          </a:ln>
-        </p:spPr>
-        <p:style>
-          <a:lnRef idx="2">
-            <a:schemeClr val="accent1">
-              <a:shade val="50000"/>
-            </a:schemeClr>
-          </a:lnRef>
-          <a:fillRef idx="1">
-            <a:schemeClr val="accent1"/>
-          </a:fillRef>
-          <a:effectRef idx="0">
-            <a:schemeClr val="accent1"/>
-          </a:effectRef>
-          <a:fontRef idx="minor">
-            <a:schemeClr val="lt1"/>
-          </a:fontRef>
-        </p:style>
-        <p:txBody>
-          <a:bodyPr rtlCol="0" anchor="ctr"/>
-          <a:lstStyle/>
-          <a:p>
-            <a:pPr algn="ctr"/>
-            <a:endParaRPr lang="pt-BR"/>
-          </a:p>
-        </p:txBody>
-      </p:sp>
-      <p:sp>
-        <p:nvSpPr>
-          <p:cNvPr id="15" name="Fluxograma: Conector 14"/>
-          <p:cNvSpPr/>
-          <p:nvPr/>
-        </p:nvSpPr>
-        <p:spPr>
-          <a:xfrm>
-            <a:off x="6459003" y="3813016"/>
-            <a:ext cx="257578" cy="257578"/>
-          </a:xfrm>
-          <a:prstGeom prst="flowChartConnector">
-            <a:avLst/>
-          </a:prstGeom>
-          <a:solidFill>
-            <a:srgbClr val="FFFF00"/>
-          </a:solidFill>
-          <a:ln>
-            <a:solidFill>
-              <a:schemeClr val="tx1"/>
-            </a:solidFill>
-          </a:ln>
-        </p:spPr>
-        <p:style>
-          <a:lnRef idx="2">
-            <a:schemeClr val="accent1">
-              <a:shade val="50000"/>
-            </a:schemeClr>
-          </a:lnRef>
-          <a:fillRef idx="1">
-            <a:schemeClr val="accent1"/>
-          </a:fillRef>
-          <a:effectRef idx="0">
-            <a:schemeClr val="accent1"/>
-          </a:effectRef>
-          <a:fontRef idx="minor">
-            <a:schemeClr val="lt1"/>
-          </a:fontRef>
-        </p:style>
-        <p:txBody>
-          <a:bodyPr rtlCol="0" anchor="ctr"/>
-          <a:lstStyle/>
-          <a:p>
-            <a:pPr algn="ctr"/>
-            <a:endParaRPr lang="pt-BR"/>
-          </a:p>
-        </p:txBody>
-      </p:sp>
-      <p:sp>
-        <p:nvSpPr>
-          <p:cNvPr id="16" name="Fluxograma: Conector 15"/>
-          <p:cNvSpPr/>
-          <p:nvPr/>
-        </p:nvSpPr>
-        <p:spPr>
-          <a:xfrm>
-            <a:off x="6959481" y="3813016"/>
-            <a:ext cx="257578" cy="257578"/>
-          </a:xfrm>
-          <a:prstGeom prst="flowChartConnector">
-            <a:avLst/>
-          </a:prstGeom>
-          <a:solidFill>
-            <a:srgbClr val="FFFF00"/>
-          </a:solidFill>
-          <a:ln>
-            <a:solidFill>
-              <a:schemeClr val="tx1"/>
-            </a:solidFill>
-          </a:ln>
-        </p:spPr>
-        <p:style>
-          <a:lnRef idx="2">
-            <a:schemeClr val="accent1">
-              <a:shade val="50000"/>
-            </a:schemeClr>
-          </a:lnRef>
-          <a:fillRef idx="1">
-            <a:schemeClr val="accent1"/>
-          </a:fillRef>
-          <a:effectRef idx="0">
-            <a:schemeClr val="accent1"/>
-          </a:effectRef>
-          <a:fontRef idx="minor">
-            <a:schemeClr val="lt1"/>
-          </a:fontRef>
-        </p:style>
-        <p:txBody>
-          <a:bodyPr rtlCol="0" anchor="ctr"/>
-          <a:lstStyle/>
-          <a:p>
-            <a:pPr algn="ctr"/>
-            <a:endParaRPr lang="pt-BR"/>
-          </a:p>
-        </p:txBody>
-      </p:sp>
-      <p:sp>
-        <p:nvSpPr>
-          <p:cNvPr id="17" name="Fluxograma: Conector 16"/>
-          <p:cNvSpPr/>
-          <p:nvPr/>
-        </p:nvSpPr>
-        <p:spPr>
-          <a:xfrm>
-            <a:off x="7486374" y="3813016"/>
-            <a:ext cx="257578" cy="257578"/>
-          </a:xfrm>
-          <a:prstGeom prst="flowChartConnector">
-            <a:avLst/>
-          </a:prstGeom>
-          <a:solidFill>
-            <a:srgbClr val="FFFF00"/>
-          </a:solidFill>
-          <a:ln>
-            <a:solidFill>
-              <a:schemeClr val="tx1"/>
-            </a:solidFill>
-          </a:ln>
-        </p:spPr>
-        <p:style>
-          <a:lnRef idx="2">
-            <a:schemeClr val="accent1">
-              <a:shade val="50000"/>
-            </a:schemeClr>
-          </a:lnRef>
-          <a:fillRef idx="1">
-            <a:schemeClr val="accent1"/>
-          </a:fillRef>
-          <a:effectRef idx="0">
-            <a:schemeClr val="accent1"/>
-          </a:effectRef>
-          <a:fontRef idx="minor">
-            <a:schemeClr val="lt1"/>
-          </a:fontRef>
-        </p:style>
-        <p:txBody>
-          <a:bodyPr rtlCol="0" anchor="ctr"/>
-          <a:lstStyle/>
-          <a:p>
-            <a:pPr algn="ctr"/>
-            <a:endParaRPr lang="pt-BR"/>
-          </a:p>
-        </p:txBody>
-      </p:sp>
-      <p:sp>
-        <p:nvSpPr>
-          <p:cNvPr id="18" name="Fluxograma: Conector 17"/>
-          <p:cNvSpPr/>
-          <p:nvPr/>
-        </p:nvSpPr>
-        <p:spPr>
-          <a:xfrm>
-            <a:off x="8013267" y="3817019"/>
-            <a:ext cx="257578" cy="257578"/>
-          </a:xfrm>
-          <a:prstGeom prst="flowChartConnector">
-            <a:avLst/>
-          </a:prstGeom>
-          <a:solidFill>
-            <a:srgbClr val="FFFF00"/>
-          </a:solidFill>
-          <a:ln>
-            <a:solidFill>
-              <a:schemeClr val="tx1"/>
-            </a:solidFill>
-          </a:ln>
-        </p:spPr>
-        <p:style>
-          <a:lnRef idx="2">
-            <a:schemeClr val="accent1">
-              <a:shade val="50000"/>
-            </a:schemeClr>
-          </a:lnRef>
-          <a:fillRef idx="1">
-            <a:schemeClr val="accent1"/>
-          </a:fillRef>
-          <a:effectRef idx="0">
-            <a:schemeClr val="accent1"/>
-          </a:effectRef>
-          <a:fontRef idx="minor">
-            <a:schemeClr val="lt1"/>
-          </a:fontRef>
-        </p:style>
-        <p:txBody>
-          <a:bodyPr rtlCol="0" anchor="ctr"/>
-          <a:lstStyle/>
-          <a:p>
-            <a:pPr algn="ctr"/>
-            <a:endParaRPr lang="pt-BR"/>
-          </a:p>
-        </p:txBody>
-      </p:sp>
-      <p:sp>
-        <p:nvSpPr>
-          <p:cNvPr id="19" name="Fluxograma: Conector 18"/>
-          <p:cNvSpPr/>
-          <p:nvPr/>
-        </p:nvSpPr>
-        <p:spPr>
-          <a:xfrm>
-            <a:off x="8535110" y="3838741"/>
-            <a:ext cx="257578" cy="257578"/>
-          </a:xfrm>
-          <a:prstGeom prst="flowChartConnector">
-            <a:avLst/>
-          </a:prstGeom>
-          <a:solidFill>
-            <a:srgbClr val="FFFF00"/>
-          </a:solidFill>
-          <a:ln>
-            <a:solidFill>
-              <a:schemeClr val="tx1"/>
-            </a:solidFill>
-          </a:ln>
-        </p:spPr>
-        <p:style>
-          <a:lnRef idx="2">
-            <a:schemeClr val="accent1">
-              <a:shade val="50000"/>
-            </a:schemeClr>
-          </a:lnRef>
-          <a:fillRef idx="1">
-            <a:schemeClr val="accent1"/>
-          </a:fillRef>
-          <a:effectRef idx="0">
-            <a:schemeClr val="accent1"/>
-          </a:effectRef>
-          <a:fontRef idx="minor">
-            <a:schemeClr val="lt1"/>
-          </a:fontRef>
-        </p:style>
-        <p:txBody>
-          <a:bodyPr rtlCol="0" anchor="ctr"/>
-          <a:lstStyle/>
-          <a:p>
-            <a:pPr algn="ctr"/>
-            <a:endParaRPr lang="pt-BR"/>
-          </a:p>
-        </p:txBody>
-      </p:sp>
-      <p:sp>
-        <p:nvSpPr>
-          <p:cNvPr id="20" name="Fluxograma: Conector 19"/>
-          <p:cNvSpPr/>
-          <p:nvPr/>
-        </p:nvSpPr>
-        <p:spPr>
-          <a:xfrm>
-            <a:off x="9035588" y="3838741"/>
-            <a:ext cx="257578" cy="257578"/>
-          </a:xfrm>
-          <a:prstGeom prst="flowChartConnector">
-            <a:avLst/>
-          </a:prstGeom>
-          <a:solidFill>
-            <a:srgbClr val="FFFF00"/>
-          </a:solidFill>
-          <a:ln>
-            <a:solidFill>
-              <a:schemeClr val="tx1"/>
-            </a:solidFill>
-          </a:ln>
-        </p:spPr>
-        <p:style>
-          <a:lnRef idx="2">
-            <a:schemeClr val="accent1">
-              <a:shade val="50000"/>
-            </a:schemeClr>
-          </a:lnRef>
-          <a:fillRef idx="1">
-            <a:schemeClr val="accent1"/>
-          </a:fillRef>
-          <a:effectRef idx="0">
-            <a:schemeClr val="accent1"/>
-          </a:effectRef>
-          <a:fontRef idx="minor">
-            <a:schemeClr val="lt1"/>
-          </a:fontRef>
-        </p:style>
-        <p:txBody>
-          <a:bodyPr rtlCol="0" anchor="ctr"/>
-          <a:lstStyle/>
-          <a:p>
-            <a:pPr algn="ctr"/>
-            <a:endParaRPr lang="pt-BR"/>
-          </a:p>
-        </p:txBody>
-      </p:sp>
-      <p:sp>
-        <p:nvSpPr>
-          <p:cNvPr id="21" name="Fluxograma: Conector 20"/>
-          <p:cNvSpPr/>
-          <p:nvPr/>
-        </p:nvSpPr>
-        <p:spPr>
-          <a:xfrm>
-            <a:off x="9562481" y="3838741"/>
-            <a:ext cx="257578" cy="257578"/>
-          </a:xfrm>
-          <a:prstGeom prst="flowChartConnector">
-            <a:avLst/>
-          </a:prstGeom>
-          <a:solidFill>
-            <a:srgbClr val="FFFF00"/>
-          </a:solidFill>
-          <a:ln>
-            <a:solidFill>
-              <a:schemeClr val="tx1"/>
-            </a:solidFill>
-          </a:ln>
-        </p:spPr>
-        <p:style>
-          <a:lnRef idx="2">
-            <a:schemeClr val="accent1">
-              <a:shade val="50000"/>
-            </a:schemeClr>
-          </a:lnRef>
-          <a:fillRef idx="1">
-            <a:schemeClr val="accent1"/>
-          </a:fillRef>
-          <a:effectRef idx="0">
-            <a:schemeClr val="accent1"/>
-          </a:effectRef>
-          <a:fontRef idx="minor">
-            <a:schemeClr val="lt1"/>
-          </a:fontRef>
-        </p:style>
-        <p:txBody>
-          <a:bodyPr rtlCol="0" anchor="ctr"/>
-          <a:lstStyle/>
-          <a:p>
-            <a:pPr algn="ctr"/>
-            <a:endParaRPr lang="pt-BR"/>
-          </a:p>
-        </p:txBody>
-      </p:sp>
-      <p:sp>
-        <p:nvSpPr>
-          <p:cNvPr id="22" name="Fluxograma: Conector 21"/>
-          <p:cNvSpPr/>
-          <p:nvPr/>
-        </p:nvSpPr>
-        <p:spPr>
-          <a:xfrm>
-            <a:off x="10089374" y="3842744"/>
-            <a:ext cx="257578" cy="257578"/>
-          </a:xfrm>
-          <a:prstGeom prst="flowChartConnector">
-            <a:avLst/>
-          </a:prstGeom>
-          <a:solidFill>
-            <a:srgbClr val="FFFF00"/>
-          </a:solidFill>
-          <a:ln>
-            <a:solidFill>
-              <a:schemeClr val="tx1"/>
-            </a:solidFill>
-          </a:ln>
-        </p:spPr>
-        <p:style>
-          <a:lnRef idx="2">
-            <a:schemeClr val="accent1">
-              <a:shade val="50000"/>
-            </a:schemeClr>
-          </a:lnRef>
-          <a:fillRef idx="1">
-            <a:schemeClr val="accent1"/>
-          </a:fillRef>
-          <a:effectRef idx="0">
-            <a:schemeClr val="accent1"/>
-          </a:effectRef>
-          <a:fontRef idx="minor">
-            <a:schemeClr val="lt1"/>
-          </a:fontRef>
-        </p:style>
-        <p:txBody>
-          <a:bodyPr rtlCol="0" anchor="ctr"/>
-          <a:lstStyle/>
-          <a:p>
-            <a:pPr algn="ctr"/>
-            <a:endParaRPr lang="pt-BR"/>
-          </a:p>
-        </p:txBody>
-      </p:sp>
-      <p:sp>
-        <p:nvSpPr>
-          <p:cNvPr id="23" name="Fluxograma: Conector 22"/>
-          <p:cNvSpPr/>
-          <p:nvPr/>
-        </p:nvSpPr>
-        <p:spPr>
-          <a:xfrm>
-            <a:off x="10646564" y="3838741"/>
-            <a:ext cx="257578" cy="257578"/>
-          </a:xfrm>
-          <a:prstGeom prst="flowChartConnector">
-            <a:avLst/>
-          </a:prstGeom>
-          <a:solidFill>
-            <a:srgbClr val="FFFF00"/>
-          </a:solidFill>
-          <a:ln>
-            <a:solidFill>
-              <a:schemeClr val="tx1"/>
-            </a:solidFill>
-          </a:ln>
-        </p:spPr>
-        <p:style>
-          <a:lnRef idx="2">
-            <a:schemeClr val="accent1">
-              <a:shade val="50000"/>
-            </a:schemeClr>
-          </a:lnRef>
-          <a:fillRef idx="1">
-            <a:schemeClr val="accent1"/>
-          </a:fillRef>
-          <a:effectRef idx="0">
-            <a:schemeClr val="accent1"/>
-          </a:effectRef>
-          <a:fontRef idx="minor">
-            <a:schemeClr val="lt1"/>
-          </a:fontRef>
-        </p:style>
-        <p:txBody>
-          <a:bodyPr rtlCol="0" anchor="ctr"/>
-          <a:lstStyle/>
-          <a:p>
-            <a:pPr algn="ctr"/>
-            <a:endParaRPr lang="pt-BR"/>
-          </a:p>
-        </p:txBody>
-      </p:sp>
-      <p:sp>
-        <p:nvSpPr>
-          <p:cNvPr id="24" name="Fluxograma: Conector 23"/>
-          <p:cNvSpPr/>
-          <p:nvPr/>
-        </p:nvSpPr>
-        <p:spPr>
-          <a:xfrm>
-            <a:off x="11147042" y="3838741"/>
-            <a:ext cx="257578" cy="257578"/>
-          </a:xfrm>
-          <a:prstGeom prst="flowChartConnector">
-            <a:avLst/>
-          </a:prstGeom>
-          <a:solidFill>
-            <a:srgbClr val="FFFF00"/>
-          </a:solidFill>
-          <a:ln>
-            <a:solidFill>
-              <a:schemeClr val="tx1"/>
-            </a:solidFill>
-          </a:ln>
-        </p:spPr>
-        <p:style>
-          <a:lnRef idx="2">
-            <a:schemeClr val="accent1">
-              <a:shade val="50000"/>
-            </a:schemeClr>
-          </a:lnRef>
-          <a:fillRef idx="1">
-            <a:schemeClr val="accent1"/>
-          </a:fillRef>
-          <a:effectRef idx="0">
-            <a:schemeClr val="accent1"/>
-          </a:effectRef>
-          <a:fontRef idx="minor">
-            <a:schemeClr val="lt1"/>
-          </a:fontRef>
-        </p:style>
-        <p:txBody>
-          <a:bodyPr rtlCol="0" anchor="ctr"/>
-          <a:lstStyle/>
-          <a:p>
-            <a:pPr algn="ctr"/>
-            <a:endParaRPr lang="pt-BR"/>
-          </a:p>
-        </p:txBody>
-      </p:sp>
-      <p:sp>
-        <p:nvSpPr>
-          <p:cNvPr id="25" name="Fluxograma: Conector 24"/>
-          <p:cNvSpPr/>
-          <p:nvPr/>
-        </p:nvSpPr>
-        <p:spPr>
-          <a:xfrm>
-            <a:off x="11673935" y="3838741"/>
-            <a:ext cx="257578" cy="257578"/>
-          </a:xfrm>
-          <a:prstGeom prst="flowChartConnector">
-            <a:avLst/>
-          </a:prstGeom>
-          <a:solidFill>
-            <a:srgbClr val="FFFF00"/>
-          </a:solidFill>
-          <a:ln>
-            <a:solidFill>
-              <a:schemeClr val="tx1"/>
-            </a:solidFill>
-          </a:ln>
-        </p:spPr>
-        <p:style>
-          <a:lnRef idx="2">
-            <a:schemeClr val="accent1">
-              <a:shade val="50000"/>
-            </a:schemeClr>
-          </a:lnRef>
-          <a:fillRef idx="1">
-            <a:schemeClr val="accent1"/>
-          </a:fillRef>
-          <a:effectRef idx="0">
-            <a:schemeClr val="accent1"/>
-          </a:effectRef>
-          <a:fontRef idx="minor">
-            <a:schemeClr val="lt1"/>
-          </a:fontRef>
-        </p:style>
-        <p:txBody>
-          <a:bodyPr rtlCol="0" anchor="ctr"/>
-          <a:lstStyle/>
-          <a:p>
-            <a:pPr algn="ctr"/>
-            <a:endParaRPr lang="pt-BR"/>
-          </a:p>
-        </p:txBody>
-      </p:sp>
-      <p:sp>
-        <p:nvSpPr>
-          <p:cNvPr id="26" name="Fluxograma: Conector 25"/>
-          <p:cNvSpPr/>
-          <p:nvPr/>
-        </p:nvSpPr>
-        <p:spPr>
-          <a:xfrm>
-            <a:off x="11673935" y="4396536"/>
-            <a:ext cx="257578" cy="257578"/>
-          </a:xfrm>
-          <a:prstGeom prst="flowChartConnector">
-            <a:avLst/>
-          </a:prstGeom>
-          <a:solidFill>
-            <a:srgbClr val="FFFF00"/>
-          </a:solidFill>
-          <a:ln>
-            <a:solidFill>
-              <a:schemeClr val="tx1"/>
-            </a:solidFill>
-          </a:ln>
-        </p:spPr>
-        <p:style>
-          <a:lnRef idx="2">
-            <a:schemeClr val="accent1">
-              <a:shade val="50000"/>
-            </a:schemeClr>
-          </a:lnRef>
-          <a:fillRef idx="1">
-            <a:schemeClr val="accent1"/>
-          </a:fillRef>
-          <a:effectRef idx="0">
-            <a:schemeClr val="accent1"/>
-          </a:effectRef>
-          <a:fontRef idx="minor">
-            <a:schemeClr val="lt1"/>
-          </a:fontRef>
-        </p:style>
-        <p:txBody>
-          <a:bodyPr rtlCol="0" anchor="ctr"/>
-          <a:lstStyle/>
-          <a:p>
-            <a:pPr algn="ctr"/>
-            <a:endParaRPr lang="pt-BR"/>
-          </a:p>
-        </p:txBody>
-      </p:sp>
-      <p:sp>
-        <p:nvSpPr>
-          <p:cNvPr id="27" name="Fluxograma: Conector 26"/>
-          <p:cNvSpPr/>
-          <p:nvPr/>
-        </p:nvSpPr>
-        <p:spPr>
-          <a:xfrm>
-            <a:off x="11678727" y="4915107"/>
-            <a:ext cx="257578" cy="257578"/>
-          </a:xfrm>
-          <a:prstGeom prst="flowChartConnector">
-            <a:avLst/>
-          </a:prstGeom>
-          <a:solidFill>
-            <a:srgbClr val="FFFF00"/>
-          </a:solidFill>
-          <a:ln>
-            <a:solidFill>
-              <a:schemeClr val="tx1"/>
-            </a:solidFill>
-          </a:ln>
-        </p:spPr>
-        <p:style>
-          <a:lnRef idx="2">
-            <a:schemeClr val="accent1">
-              <a:shade val="50000"/>
-            </a:schemeClr>
-          </a:lnRef>
-          <a:fillRef idx="1">
-            <a:schemeClr val="accent1"/>
-          </a:fillRef>
-          <a:effectRef idx="0">
-            <a:schemeClr val="accent1"/>
-          </a:effectRef>
-          <a:fontRef idx="minor">
-            <a:schemeClr val="lt1"/>
-          </a:fontRef>
-        </p:style>
-        <p:txBody>
-          <a:bodyPr rtlCol="0" anchor="ctr"/>
-          <a:lstStyle/>
-          <a:p>
-            <a:pPr algn="ctr"/>
-            <a:endParaRPr lang="pt-BR"/>
-          </a:p>
-        </p:txBody>
-      </p:sp>
-      <p:sp>
-        <p:nvSpPr>
-          <p:cNvPr id="28" name="Fluxograma: Conector 27"/>
-          <p:cNvSpPr/>
-          <p:nvPr/>
-        </p:nvSpPr>
-        <p:spPr>
-          <a:xfrm>
-            <a:off x="11673935" y="5472812"/>
-            <a:ext cx="257578" cy="257578"/>
-          </a:xfrm>
-          <a:prstGeom prst="flowChartConnector">
-            <a:avLst/>
-          </a:prstGeom>
-          <a:solidFill>
-            <a:srgbClr val="FFFF00"/>
-          </a:solidFill>
-          <a:ln>
-            <a:solidFill>
-              <a:schemeClr val="tx1"/>
-            </a:solidFill>
-          </a:ln>
-        </p:spPr>
-        <p:style>
-          <a:lnRef idx="2">
-            <a:schemeClr val="accent1">
-              <a:shade val="50000"/>
-            </a:schemeClr>
-          </a:lnRef>
-          <a:fillRef idx="1">
-            <a:schemeClr val="accent1"/>
-          </a:fillRef>
-          <a:effectRef idx="0">
-            <a:schemeClr val="accent1"/>
-          </a:effectRef>
-          <a:fontRef idx="minor">
-            <a:schemeClr val="lt1"/>
-          </a:fontRef>
-        </p:style>
-        <p:txBody>
-          <a:bodyPr rtlCol="0" anchor="ctr"/>
-          <a:lstStyle/>
-          <a:p>
-            <a:pPr algn="ctr"/>
-            <a:endParaRPr lang="pt-BR"/>
-          </a:p>
-        </p:txBody>
-      </p:sp>
-      <p:sp>
-        <p:nvSpPr>
-          <p:cNvPr id="34" name="Fluxograma: Conector 33"/>
-          <p:cNvSpPr/>
-          <p:nvPr/>
-        </p:nvSpPr>
-        <p:spPr>
-          <a:xfrm>
-            <a:off x="11673935" y="5989429"/>
-            <a:ext cx="257578" cy="257578"/>
-          </a:xfrm>
-          <a:prstGeom prst="flowChartConnector">
-            <a:avLst/>
-          </a:prstGeom>
-          <a:solidFill>
-            <a:srgbClr val="FFFF00"/>
-          </a:solidFill>
-          <a:ln>
-            <a:solidFill>
-              <a:schemeClr val="tx1"/>
-            </a:solidFill>
-          </a:ln>
-        </p:spPr>
-        <p:style>
-          <a:lnRef idx="2">
-            <a:schemeClr val="accent1">
-              <a:shade val="50000"/>
-            </a:schemeClr>
-          </a:lnRef>
-          <a:fillRef idx="1">
-            <a:schemeClr val="accent1"/>
-          </a:fillRef>
-          <a:effectRef idx="0">
-            <a:schemeClr val="accent1"/>
-          </a:effectRef>
-          <a:fontRef idx="minor">
-            <a:schemeClr val="lt1"/>
-          </a:fontRef>
-        </p:style>
-        <p:txBody>
-          <a:bodyPr rtlCol="0" anchor="ctr"/>
-          <a:lstStyle/>
-          <a:p>
-            <a:pPr algn="ctr"/>
-            <a:endParaRPr lang="pt-BR"/>
-          </a:p>
-        </p:txBody>
-      </p:sp>
-    </p:spTree>
-    <p:extLst>
-      <p:ext uri="{BB962C8B-B14F-4D97-AF65-F5344CB8AC3E}">
-        <p14:creationId xmlns:p14="http://schemas.microsoft.com/office/powerpoint/2010/main" val="2668113434"/>
+        <p14:creationId xmlns:p14="http://schemas.microsoft.com/office/powerpoint/2010/main" val="2122793688"/>
       </p:ext>
     </p:extLst>
   </p:cSld>
@@ -16390,11 +15610,7 @@
             </a:pPr>
             <a:r>
               <a:rPr lang="pt-BR" sz="2200" dirty="0" smtClean="0"/>
-              <a:t>Atividades</a:t>
-            </a:r>
-            <a:r>
-              <a:rPr lang="pt-BR" sz="2200" dirty="0" smtClean="0"/>
-              <a:t> bancárias</a:t>
+              <a:t>Atividades bancárias</a:t>
             </a:r>
           </a:p>
           <a:p>
@@ -16454,7 +15670,6 @@
               <a:rPr lang="pt-BR" sz="2200" dirty="0" smtClean="0"/>
               <a:t>Noticias em escala global</a:t>
             </a:r>
-            <a:endParaRPr lang="pt-BR" sz="2200" dirty="0" smtClean="0"/>
           </a:p>
           <a:p>
             <a:endParaRPr lang="pt-BR" dirty="0"/>
@@ -16616,346 +15831,6 @@
     <p:extLst>
       <p:ext uri="{BB962C8B-B14F-4D97-AF65-F5344CB8AC3E}">
         <p14:creationId xmlns:p14="http://schemas.microsoft.com/office/powerpoint/2010/main" val="2823139828"/>
-      </p:ext>
-    </p:extLst>
-  </p:cSld>
-  <p:clrMapOvr>
-    <a:masterClrMapping/>
-  </p:clrMapOvr>
-  <p:timing>
-    <p:tnLst>
-      <p:par>
-        <p:cTn id="1" dur="indefinite" restart="never" nodeType="tmRoot"/>
-      </p:par>
-    </p:tnLst>
-  </p:timing>
-</p:sld>
-</file>
-
-<file path=ppt/slides/slide40.xml><?xml version="1.0" encoding="utf-8"?>
-<p:sld xmlns:a="http://schemas.openxmlformats.org/drawingml/2006/main" xmlns:r="http://schemas.openxmlformats.org/officeDocument/2006/relationships" xmlns:p="http://schemas.openxmlformats.org/presentationml/2006/main">
-  <p:cSld>
-    <p:spTree>
-      <p:nvGrpSpPr>
-        <p:cNvPr id="1" name=""/>
-        <p:cNvGrpSpPr/>
-        <p:nvPr/>
-      </p:nvGrpSpPr>
-      <p:grpSpPr>
-        <a:xfrm>
-          <a:off x="0" y="0"/>
-          <a:ext cx="0" cy="0"/>
-          <a:chOff x="0" y="0"/>
-          <a:chExt cx="0" cy="0"/>
-        </a:xfrm>
-      </p:grpSpPr>
-      <p:sp>
-        <p:nvSpPr>
-          <p:cNvPr id="2" name="Título 1"/>
-          <p:cNvSpPr>
-            <a:spLocks noGrp="1"/>
-          </p:cNvSpPr>
-          <p:nvPr>
-            <p:ph type="title"/>
-          </p:nvPr>
-        </p:nvSpPr>
-        <p:spPr>
-          <a:xfrm>
-            <a:off x="818712" y="138095"/>
-            <a:ext cx="8634381" cy="970450"/>
-          </a:xfrm>
-        </p:spPr>
-        <p:txBody>
-          <a:bodyPr/>
-          <a:lstStyle/>
-          <a:p>
-            <a:r>
-              <a:rPr lang="pt-BR" dirty="0" smtClean="0"/>
-              <a:t>Referências</a:t>
-            </a:r>
-            <a:endParaRPr lang="pt-BR" dirty="0"/>
-          </a:p>
-        </p:txBody>
-      </p:sp>
-      <p:sp>
-        <p:nvSpPr>
-          <p:cNvPr id="3" name="Espaço Reservado para Conteúdo 2"/>
-          <p:cNvSpPr>
-            <a:spLocks noGrp="1"/>
-          </p:cNvSpPr>
-          <p:nvPr>
-            <p:ph idx="1"/>
-          </p:nvPr>
-        </p:nvSpPr>
-        <p:spPr>
-          <a:xfrm>
-            <a:off x="838200" y="1883613"/>
-            <a:ext cx="10515600" cy="4351338"/>
-          </a:xfrm>
-        </p:spPr>
-        <p:txBody>
-          <a:bodyPr>
-            <a:normAutofit fontScale="55000" lnSpcReduction="20000"/>
-          </a:bodyPr>
-          <a:lstStyle/>
-          <a:p>
-            <a:r>
-              <a:rPr lang="pt-BR" dirty="0">
-                <a:hlinkClick r:id="rId2"/>
-              </a:rPr>
-              <a:t>http://</a:t>
-            </a:r>
-            <a:r>
-              <a:rPr lang="pt-BR" dirty="0" smtClean="0">
-                <a:hlinkClick r:id="rId2"/>
-              </a:rPr>
-              <a:t>pt.stackoverflow.com/questions/52450/full-stack-web-developer</a:t>
-            </a:r>
-            <a:endParaRPr lang="pt-BR" dirty="0" smtClean="0"/>
-          </a:p>
-          <a:p>
-            <a:endParaRPr lang="pt-BR" dirty="0"/>
-          </a:p>
-          <a:p>
-            <a:r>
-              <a:rPr lang="pt-BR" dirty="0">
-                <a:hlinkClick r:id="rId3"/>
-              </a:rPr>
-              <a:t>https://www.sitepoint.com/full-stack-developer</a:t>
-            </a:r>
-            <a:r>
-              <a:rPr lang="pt-BR" dirty="0" smtClean="0">
-                <a:hlinkClick r:id="rId3"/>
-              </a:rPr>
-              <a:t>/</a:t>
-            </a:r>
-            <a:endParaRPr lang="pt-BR" dirty="0" smtClean="0"/>
-          </a:p>
-          <a:p>
-            <a:endParaRPr lang="pt-BR" dirty="0"/>
-          </a:p>
-          <a:p>
-            <a:r>
-              <a:rPr lang="pt-BR" dirty="0">
-                <a:hlinkClick r:id="rId4"/>
-              </a:rPr>
-              <a:t>https://designschool.canva.com/blog/404-page-design</a:t>
-            </a:r>
-            <a:r>
-              <a:rPr lang="pt-BR" dirty="0" smtClean="0">
-                <a:hlinkClick r:id="rId4"/>
-              </a:rPr>
-              <a:t>/</a:t>
-            </a:r>
-            <a:endParaRPr lang="pt-BR" dirty="0" smtClean="0"/>
-          </a:p>
-          <a:p>
-            <a:endParaRPr lang="pt-BR" dirty="0"/>
-          </a:p>
-          <a:p>
-            <a:r>
-              <a:rPr lang="pt-BR" dirty="0">
-                <a:hlinkClick r:id="rId5"/>
-              </a:rPr>
-              <a:t>http://</a:t>
-            </a:r>
-            <a:r>
-              <a:rPr lang="pt-BR" dirty="0" smtClean="0">
-                <a:hlinkClick r:id="rId5"/>
-              </a:rPr>
-              <a:t>www.w3schools.com/xml/ajax_intro.asp</a:t>
-            </a:r>
-            <a:endParaRPr lang="pt-BR" dirty="0" smtClean="0"/>
-          </a:p>
-          <a:p>
-            <a:endParaRPr lang="pt-BR" dirty="0"/>
-          </a:p>
-          <a:p>
-            <a:r>
-              <a:rPr lang="pt-BR" dirty="0">
-                <a:hlinkClick r:id="rId6"/>
-              </a:rPr>
-              <a:t>https://</a:t>
-            </a:r>
-            <a:r>
-              <a:rPr lang="pt-BR" dirty="0" smtClean="0">
-                <a:hlinkClick r:id="rId6"/>
-              </a:rPr>
-              <a:t>pt.wikipedia.org/wiki/PHP</a:t>
-            </a:r>
-            <a:endParaRPr lang="pt-BR" dirty="0" smtClean="0"/>
-          </a:p>
-          <a:p>
-            <a:endParaRPr lang="pt-BR" dirty="0"/>
-          </a:p>
-          <a:p>
-            <a:r>
-              <a:rPr lang="pt-BR" dirty="0">
-                <a:hlinkClick r:id="rId7"/>
-              </a:rPr>
-              <a:t>https://</a:t>
-            </a:r>
-            <a:r>
-              <a:rPr lang="pt-BR" dirty="0" smtClean="0">
-                <a:hlinkClick r:id="rId7"/>
-              </a:rPr>
-              <a:t>pt.wikipedia.org/wiki/MySQL</a:t>
-            </a:r>
-            <a:endParaRPr lang="pt-BR" dirty="0" smtClean="0"/>
-          </a:p>
-          <a:p>
-            <a:endParaRPr lang="pt-BR" dirty="0"/>
-          </a:p>
-          <a:p>
-            <a:r>
-              <a:rPr lang="pt-BR" dirty="0">
-                <a:hlinkClick r:id="rId8"/>
-              </a:rPr>
-              <a:t>https://</a:t>
-            </a:r>
-            <a:r>
-              <a:rPr lang="pt-BR" dirty="0" smtClean="0">
-                <a:hlinkClick r:id="rId8"/>
-              </a:rPr>
-              <a:t>pt.wikipedia.org/wiki/Servidor_Apache</a:t>
-            </a:r>
-            <a:endParaRPr lang="pt-BR" dirty="0" smtClean="0"/>
-          </a:p>
-          <a:p>
-            <a:endParaRPr lang="pt-BR" dirty="0"/>
-          </a:p>
-          <a:p>
-            <a:r>
-              <a:rPr lang="pt-BR" dirty="0"/>
-              <a:t>http://www.wampserver.com/en/</a:t>
-            </a:r>
-          </a:p>
-        </p:txBody>
-      </p:sp>
-      <p:pic>
-        <p:nvPicPr>
-          <p:cNvPr id="5" name="Espaço Reservado para Conteúdo 3"/>
-          <p:cNvPicPr>
-            <a:picLocks noChangeAspect="1"/>
-          </p:cNvPicPr>
-          <p:nvPr/>
-        </p:nvPicPr>
-        <p:blipFill>
-          <a:blip r:embed="rId9">
-            <a:extLst>
-              <a:ext uri="{28A0092B-C50C-407E-A947-70E740481C1C}">
-                <a14:useLocalDpi xmlns:a14="http://schemas.microsoft.com/office/drawing/2010/main" val="0"/>
-              </a:ext>
-            </a:extLst>
-          </a:blip>
-          <a:stretch>
-            <a:fillRect/>
-          </a:stretch>
-        </p:blipFill>
-        <p:spPr>
-          <a:xfrm>
-            <a:off x="818712" y="1139143"/>
-            <a:ext cx="11373288" cy="695325"/>
-          </a:xfrm>
-          <a:prstGeom prst="rect">
-            <a:avLst/>
-          </a:prstGeom>
-        </p:spPr>
-      </p:pic>
-      <p:pic>
-        <p:nvPicPr>
-          <p:cNvPr id="7" name="Espaço Reservado para Conteúdo 5"/>
-          <p:cNvPicPr>
-            <a:picLocks noChangeAspect="1"/>
-          </p:cNvPicPr>
-          <p:nvPr/>
-        </p:nvPicPr>
-        <p:blipFill>
-          <a:blip r:embed="rId10" cstate="print">
-            <a:extLst>
-              <a:ext uri="{28A0092B-C50C-407E-A947-70E740481C1C}">
-                <a14:useLocalDpi xmlns:a14="http://schemas.microsoft.com/office/drawing/2010/main" val="0"/>
-              </a:ext>
-            </a:extLst>
-          </a:blip>
-          <a:stretch>
-            <a:fillRect/>
-          </a:stretch>
-        </p:blipFill>
-        <p:spPr>
-          <a:xfrm>
-            <a:off x="10097037" y="219459"/>
-            <a:ext cx="1953555" cy="669183"/>
-          </a:xfrm>
-          <a:prstGeom prst="rect">
-            <a:avLst/>
-          </a:prstGeom>
-        </p:spPr>
-      </p:pic>
-      <p:pic>
-        <p:nvPicPr>
-          <p:cNvPr id="9" name="Espaço Reservado para Conteúdo 7"/>
-          <p:cNvPicPr>
-            <a:picLocks noChangeAspect="1"/>
-          </p:cNvPicPr>
-          <p:nvPr/>
-        </p:nvPicPr>
-        <p:blipFill>
-          <a:blip r:embed="rId11">
-            <a:extLst>
-              <a:ext uri="{28A0092B-C50C-407E-A947-70E740481C1C}">
-                <a14:useLocalDpi xmlns:a14="http://schemas.microsoft.com/office/drawing/2010/main" val="0"/>
-              </a:ext>
-            </a:extLst>
-          </a:blip>
-          <a:stretch>
-            <a:fillRect/>
-          </a:stretch>
-        </p:blipFill>
-        <p:spPr>
-          <a:xfrm>
-            <a:off x="11308648" y="6370179"/>
-            <a:ext cx="883352" cy="487821"/>
-          </a:xfrm>
-          <a:prstGeom prst="rect">
-            <a:avLst/>
-          </a:prstGeom>
-        </p:spPr>
-      </p:pic>
-      <p:sp>
-        <p:nvSpPr>
-          <p:cNvPr id="8" name="CaixaDeTexto 7"/>
-          <p:cNvSpPr txBox="1"/>
-          <p:nvPr/>
-        </p:nvSpPr>
-        <p:spPr>
-          <a:xfrm>
-            <a:off x="11331224" y="6429423"/>
-            <a:ext cx="838200" cy="369332"/>
-          </a:xfrm>
-          <a:prstGeom prst="rect">
-            <a:avLst/>
-          </a:prstGeom>
-          <a:noFill/>
-        </p:spPr>
-        <p:txBody>
-          <a:bodyPr wrap="square" rtlCol="0">
-            <a:spAutoFit/>
-          </a:bodyPr>
-          <a:lstStyle/>
-          <a:p>
-            <a:pPr algn="ctr"/>
-            <a:r>
-              <a:rPr lang="pt-BR" dirty="0" smtClean="0"/>
-              <a:t>42</a:t>
-            </a:r>
-          </a:p>
-        </p:txBody>
-      </p:sp>
-    </p:spTree>
-    <p:extLst>
-      <p:ext uri="{BB962C8B-B14F-4D97-AF65-F5344CB8AC3E}">
-        <p14:creationId xmlns:p14="http://schemas.microsoft.com/office/powerpoint/2010/main" val="2122793688"/>
       </p:ext>
     </p:extLst>
   </p:cSld>
@@ -17563,7 +16438,6 @@
               <a:rPr lang="pt-BR" dirty="0"/>
               <a:t>6</a:t>
             </a:r>
-            <a:endParaRPr lang="pt-BR" dirty="0"/>
           </a:p>
         </p:txBody>
       </p:sp>
@@ -18138,7 +17012,6 @@
               <a:rPr lang="pt-BR" dirty="0"/>
               <a:t>7</a:t>
             </a:r>
-            <a:endParaRPr lang="pt-BR" dirty="0"/>
           </a:p>
         </p:txBody>
       </p:sp>
@@ -18695,7 +17568,6 @@
               <a:rPr lang="pt-BR" dirty="0"/>
               <a:t>8</a:t>
             </a:r>
-            <a:endParaRPr lang="pt-BR" dirty="0"/>
           </a:p>
         </p:txBody>
       </p:sp>
